--- a/Ejercicios de clase/Plantilla powerpoint.pptx
+++ b/Ejercicios de clase/Plantilla powerpoint.pptx
@@ -5,7 +5,7 @@
     <p:sldMasterId id="2147483662" r:id="rId1"/>
   </p:sldMasterIdLst>
   <p:notesMasterIdLst>
-    <p:notesMasterId r:id="rId22"/>
+    <p:notesMasterId r:id="rId24"/>
   </p:notesMasterIdLst>
   <p:sldIdLst>
     <p:sldId id="256" r:id="rId2"/>
@@ -25,21 +25,23 @@
     <p:sldId id="298" r:id="rId16"/>
     <p:sldId id="299" r:id="rId17"/>
     <p:sldId id="300" r:id="rId18"/>
-    <p:sldId id="279" r:id="rId19"/>
-    <p:sldId id="291" r:id="rId20"/>
-    <p:sldId id="293" r:id="rId21"/>
+    <p:sldId id="301" r:id="rId19"/>
+    <p:sldId id="302" r:id="rId20"/>
+    <p:sldId id="279" r:id="rId21"/>
+    <p:sldId id="291" r:id="rId22"/>
+    <p:sldId id="293" r:id="rId23"/>
   </p:sldIdLst>
   <p:sldSz cx="9144000" cy="5143500" type="screen16x9"/>
   <p:notesSz cx="6858000" cy="9144000"/>
   <p:embeddedFontLst>
     <p:embeddedFont>
       <p:font typeface="Pangolin" panose="020B0604020202020204" charset="0"/>
-      <p:regular r:id="rId23"/>
+      <p:regular r:id="rId25"/>
     </p:embeddedFont>
     <p:embeddedFont>
       <p:font typeface="Inconsolata" panose="020B0604020202020204" charset="0"/>
-      <p:regular r:id="rId24"/>
-      <p:bold r:id="rId25"/>
+      <p:regular r:id="rId26"/>
+      <p:bold r:id="rId27"/>
     </p:embeddedFont>
   </p:embeddedFontLst>
   <p:defaultTextStyle>
@@ -9882,7 +9884,7 @@
         </p:nvSpPr>
         <p:spPr>
           <a:xfrm>
-            <a:off x="866375" y="1605194"/>
+            <a:off x="853297" y="1613375"/>
             <a:ext cx="2501700" cy="3063000"/>
           </a:xfrm>
           <a:prstGeom prst="rect">
@@ -12465,7 +12467,7 @@
   <p:cSld>
     <p:spTree>
       <p:nvGrpSpPr>
-        <p:cNvPr id="1" name="Shape 260"/>
+        <p:cNvPr id="1" name=""/>
         <p:cNvGrpSpPr/>
         <p:nvPr/>
       </p:nvGrpSpPr>
@@ -12479,22 +12481,795 @@
       </p:grpSpPr>
       <p:sp>
         <p:nvSpPr>
-          <p:cNvPr id="261" name="Google Shape;261;p39"/>
-          <p:cNvSpPr txBox="1">
+          <p:cNvPr id="2" name="Marcador de número de diapositiva 1">
+            <a:extLst>
+              <a:ext uri="{FF2B5EF4-FFF2-40B4-BE49-F238E27FC236}">
+                <a16:creationId xmlns:a16="http://schemas.microsoft.com/office/drawing/2014/main" id="{CC7D9CB0-D542-4FC1-9741-AAA6D6E5A729}"/>
+              </a:ext>
+            </a:extLst>
+          </p:cNvPr>
+          <p:cNvSpPr>
             <a:spLocks noGrp="1"/>
           </p:cNvSpPr>
           <p:nvPr>
             <p:ph type="sldNum" idx="12"/>
           </p:nvPr>
         </p:nvSpPr>
+        <p:spPr/>
+        <p:txBody>
+          <a:bodyPr/>
+          <a:lstStyle/>
+          <a:p>
+            <a:pPr marL="0" lvl="0" indent="0" algn="ctr" rtl="0">
+              <a:spcBef>
+                <a:spcPts val="0"/>
+              </a:spcBef>
+              <a:spcAft>
+                <a:spcPts val="0"/>
+              </a:spcAft>
+              <a:buNone/>
+            </a:pPr>
+            <a:fld id="{00000000-1234-1234-1234-123412341234}" type="slidenum">
+              <a:rPr lang="es-ES" smtClean="0"/>
+              <a:t>18</a:t>
+            </a:fld>
+            <a:endParaRPr lang="es-ES"/>
+          </a:p>
+        </p:txBody>
+      </p:sp>
+      <p:sp>
+        <p:nvSpPr>
+          <p:cNvPr id="3" name="Título 1">
+            <a:extLst>
+              <a:ext uri="{FF2B5EF4-FFF2-40B4-BE49-F238E27FC236}">
+                <a16:creationId xmlns:a16="http://schemas.microsoft.com/office/drawing/2014/main" id="{71C09813-4AF2-4EDD-8E30-1D2D8AFC9194}"/>
+              </a:ext>
+            </a:extLst>
+          </p:cNvPr>
+          <p:cNvSpPr txBox="1">
+            <a:spLocks/>
+          </p:cNvSpPr>
+          <p:nvPr/>
+        </p:nvSpPr>
         <p:spPr>
           <a:xfrm>
-            <a:off x="8716025" y="4676375"/>
-            <a:ext cx="428100" cy="467100"/>
+            <a:off x="866375" y="582664"/>
+            <a:ext cx="7567800" cy="857400"/>
           </a:xfrm>
           <a:prstGeom prst="rect">
             <a:avLst/>
           </a:prstGeom>
+        </p:spPr>
+        <p:txBody>
+          <a:bodyPr/>
+          <a:lstStyle>
+            <a:defPPr marR="0" lvl="0" algn="l" rtl="0">
+              <a:lnSpc>
+                <a:spcPct val="100000"/>
+              </a:lnSpc>
+              <a:spcBef>
+                <a:spcPts val="0"/>
+              </a:spcBef>
+              <a:spcAft>
+                <a:spcPts val="0"/>
+              </a:spcAft>
+            </a:defPPr>
+            <a:lvl1pPr marR="0" lvl="0" algn="l" rtl="0">
+              <a:lnSpc>
+                <a:spcPct val="100000"/>
+              </a:lnSpc>
+              <a:spcBef>
+                <a:spcPts val="0"/>
+              </a:spcBef>
+              <a:spcAft>
+                <a:spcPts val="0"/>
+              </a:spcAft>
+              <a:buClr>
+                <a:srgbClr val="000000"/>
+              </a:buClr>
+              <a:buFont typeface="Arial"/>
+              <a:defRPr sz="1400" b="0" i="0" u="none" strike="noStrike" cap="none">
+                <a:solidFill>
+                  <a:srgbClr val="000000"/>
+                </a:solidFill>
+                <a:latin typeface="Arial"/>
+                <a:ea typeface="Arial"/>
+                <a:cs typeface="Arial"/>
+                <a:sym typeface="Arial"/>
+              </a:defRPr>
+            </a:lvl1pPr>
+            <a:lvl2pPr marR="0" lvl="1" algn="l" rtl="0">
+              <a:lnSpc>
+                <a:spcPct val="100000"/>
+              </a:lnSpc>
+              <a:spcBef>
+                <a:spcPts val="0"/>
+              </a:spcBef>
+              <a:spcAft>
+                <a:spcPts val="0"/>
+              </a:spcAft>
+              <a:buClr>
+                <a:srgbClr val="000000"/>
+              </a:buClr>
+              <a:buFont typeface="Arial"/>
+              <a:defRPr sz="1400" b="0" i="0" u="none" strike="noStrike" cap="none">
+                <a:solidFill>
+                  <a:srgbClr val="000000"/>
+                </a:solidFill>
+                <a:latin typeface="Arial"/>
+                <a:ea typeface="Arial"/>
+                <a:cs typeface="Arial"/>
+                <a:sym typeface="Arial"/>
+              </a:defRPr>
+            </a:lvl2pPr>
+            <a:lvl3pPr marR="0" lvl="2" algn="l" rtl="0">
+              <a:lnSpc>
+                <a:spcPct val="100000"/>
+              </a:lnSpc>
+              <a:spcBef>
+                <a:spcPts val="0"/>
+              </a:spcBef>
+              <a:spcAft>
+                <a:spcPts val="0"/>
+              </a:spcAft>
+              <a:buClr>
+                <a:srgbClr val="000000"/>
+              </a:buClr>
+              <a:buFont typeface="Arial"/>
+              <a:defRPr sz="1400" b="0" i="0" u="none" strike="noStrike" cap="none">
+                <a:solidFill>
+                  <a:srgbClr val="000000"/>
+                </a:solidFill>
+                <a:latin typeface="Arial"/>
+                <a:ea typeface="Arial"/>
+                <a:cs typeface="Arial"/>
+                <a:sym typeface="Arial"/>
+              </a:defRPr>
+            </a:lvl3pPr>
+            <a:lvl4pPr marR="0" lvl="3" algn="l" rtl="0">
+              <a:lnSpc>
+                <a:spcPct val="100000"/>
+              </a:lnSpc>
+              <a:spcBef>
+                <a:spcPts val="0"/>
+              </a:spcBef>
+              <a:spcAft>
+                <a:spcPts val="0"/>
+              </a:spcAft>
+              <a:buClr>
+                <a:srgbClr val="000000"/>
+              </a:buClr>
+              <a:buFont typeface="Arial"/>
+              <a:defRPr sz="1400" b="0" i="0" u="none" strike="noStrike" cap="none">
+                <a:solidFill>
+                  <a:srgbClr val="000000"/>
+                </a:solidFill>
+                <a:latin typeface="Arial"/>
+                <a:ea typeface="Arial"/>
+                <a:cs typeface="Arial"/>
+                <a:sym typeface="Arial"/>
+              </a:defRPr>
+            </a:lvl4pPr>
+            <a:lvl5pPr marR="0" lvl="4" algn="l" rtl="0">
+              <a:lnSpc>
+                <a:spcPct val="100000"/>
+              </a:lnSpc>
+              <a:spcBef>
+                <a:spcPts val="0"/>
+              </a:spcBef>
+              <a:spcAft>
+                <a:spcPts val="0"/>
+              </a:spcAft>
+              <a:buClr>
+                <a:srgbClr val="000000"/>
+              </a:buClr>
+              <a:buFont typeface="Arial"/>
+              <a:defRPr sz="1400" b="0" i="0" u="none" strike="noStrike" cap="none">
+                <a:solidFill>
+                  <a:srgbClr val="000000"/>
+                </a:solidFill>
+                <a:latin typeface="Arial"/>
+                <a:ea typeface="Arial"/>
+                <a:cs typeface="Arial"/>
+                <a:sym typeface="Arial"/>
+              </a:defRPr>
+            </a:lvl5pPr>
+            <a:lvl6pPr marR="0" lvl="5" algn="l" rtl="0">
+              <a:lnSpc>
+                <a:spcPct val="100000"/>
+              </a:lnSpc>
+              <a:spcBef>
+                <a:spcPts val="0"/>
+              </a:spcBef>
+              <a:spcAft>
+                <a:spcPts val="0"/>
+              </a:spcAft>
+              <a:buClr>
+                <a:srgbClr val="000000"/>
+              </a:buClr>
+              <a:buFont typeface="Arial"/>
+              <a:defRPr sz="1400" b="0" i="0" u="none" strike="noStrike" cap="none">
+                <a:solidFill>
+                  <a:srgbClr val="000000"/>
+                </a:solidFill>
+                <a:latin typeface="Arial"/>
+                <a:ea typeface="Arial"/>
+                <a:cs typeface="Arial"/>
+                <a:sym typeface="Arial"/>
+              </a:defRPr>
+            </a:lvl6pPr>
+            <a:lvl7pPr marR="0" lvl="6" algn="l" rtl="0">
+              <a:lnSpc>
+                <a:spcPct val="100000"/>
+              </a:lnSpc>
+              <a:spcBef>
+                <a:spcPts val="0"/>
+              </a:spcBef>
+              <a:spcAft>
+                <a:spcPts val="0"/>
+              </a:spcAft>
+              <a:buClr>
+                <a:srgbClr val="000000"/>
+              </a:buClr>
+              <a:buFont typeface="Arial"/>
+              <a:defRPr sz="1400" b="0" i="0" u="none" strike="noStrike" cap="none">
+                <a:solidFill>
+                  <a:srgbClr val="000000"/>
+                </a:solidFill>
+                <a:latin typeface="Arial"/>
+                <a:ea typeface="Arial"/>
+                <a:cs typeface="Arial"/>
+                <a:sym typeface="Arial"/>
+              </a:defRPr>
+            </a:lvl7pPr>
+            <a:lvl8pPr marR="0" lvl="7" algn="l" rtl="0">
+              <a:lnSpc>
+                <a:spcPct val="100000"/>
+              </a:lnSpc>
+              <a:spcBef>
+                <a:spcPts val="0"/>
+              </a:spcBef>
+              <a:spcAft>
+                <a:spcPts val="0"/>
+              </a:spcAft>
+              <a:buClr>
+                <a:srgbClr val="000000"/>
+              </a:buClr>
+              <a:buFont typeface="Arial"/>
+              <a:defRPr sz="1400" b="0" i="0" u="none" strike="noStrike" cap="none">
+                <a:solidFill>
+                  <a:srgbClr val="000000"/>
+                </a:solidFill>
+                <a:latin typeface="Arial"/>
+                <a:ea typeface="Arial"/>
+                <a:cs typeface="Arial"/>
+                <a:sym typeface="Arial"/>
+              </a:defRPr>
+            </a:lvl8pPr>
+            <a:lvl9pPr marR="0" lvl="8" algn="l" rtl="0">
+              <a:lnSpc>
+                <a:spcPct val="100000"/>
+              </a:lnSpc>
+              <a:spcBef>
+                <a:spcPts val="0"/>
+              </a:spcBef>
+              <a:spcAft>
+                <a:spcPts val="0"/>
+              </a:spcAft>
+              <a:buClr>
+                <a:srgbClr val="000000"/>
+              </a:buClr>
+              <a:buFont typeface="Arial"/>
+              <a:defRPr sz="1400" b="0" i="0" u="none" strike="noStrike" cap="none">
+                <a:solidFill>
+                  <a:srgbClr val="000000"/>
+                </a:solidFill>
+                <a:latin typeface="Arial"/>
+                <a:ea typeface="Arial"/>
+                <a:cs typeface="Arial"/>
+                <a:sym typeface="Arial"/>
+              </a:defRPr>
+            </a:lvl9pPr>
+          </a:lstStyle>
+          <a:p>
+            <a:r>
+              <a:rPr lang="es-ES" sz="3200" dirty="0">
+                <a:solidFill>
+                  <a:schemeClr val="bg2">
+                    <a:lumMod val="75000"/>
+                  </a:schemeClr>
+                </a:solidFill>
+                <a:latin typeface="Inconsolata" panose="020B0604020202020204" charset="0"/>
+              </a:rPr>
+              <a:t>3. USOS DE LOS SYMBOL: VALORES </a:t>
+            </a:r>
+            <a:r>
+              <a:rPr lang="es-ES" sz="3200" i="1" dirty="0">
+                <a:solidFill>
+                  <a:schemeClr val="bg2">
+                    <a:lumMod val="75000"/>
+                  </a:schemeClr>
+                </a:solidFill>
+                <a:latin typeface="Inconsolata" panose="020B0604020202020204" charset="0"/>
+              </a:rPr>
+              <a:t>STRING </a:t>
+            </a:r>
+            <a:r>
+              <a:rPr lang="es-ES" sz="3200" dirty="0">
+                <a:solidFill>
+                  <a:schemeClr val="bg2">
+                    <a:lumMod val="75000"/>
+                  </a:schemeClr>
+                </a:solidFill>
+                <a:latin typeface="Inconsolata" panose="020B0604020202020204" charset="0"/>
+              </a:rPr>
+              <a:t>E </a:t>
+            </a:r>
+            <a:r>
+              <a:rPr lang="es-ES" sz="3200" i="1" dirty="0">
+                <a:solidFill>
+                  <a:schemeClr val="bg2">
+                    <a:lumMod val="75000"/>
+                  </a:schemeClr>
+                </a:solidFill>
+                <a:latin typeface="Inconsolata" panose="020B0604020202020204" charset="0"/>
+              </a:rPr>
+              <a:t>INTEGER</a:t>
+            </a:r>
+            <a:r>
+              <a:rPr lang="es-ES" sz="3200" dirty="0">
+                <a:solidFill>
+                  <a:schemeClr val="bg2">
+                    <a:lumMod val="75000"/>
+                  </a:schemeClr>
+                </a:solidFill>
+                <a:latin typeface="Inconsolata" panose="020B0604020202020204" charset="0"/>
+              </a:rPr>
+              <a:t> </a:t>
+            </a:r>
+          </a:p>
+          <a:p>
+            <a:r>
+              <a:rPr lang="es-ES" sz="3200" dirty="0">
+                <a:solidFill>
+                  <a:schemeClr val="bg2">
+                    <a:lumMod val="75000"/>
+                  </a:schemeClr>
+                </a:solidFill>
+                <a:latin typeface="Inconsolata" panose="020B0604020202020204" charset="0"/>
+              </a:rPr>
+              <a:t>CONSTANTES</a:t>
+            </a:r>
+          </a:p>
+        </p:txBody>
+      </p:sp>
+      <p:sp>
+        <p:nvSpPr>
+          <p:cNvPr id="4" name="Google Shape;252;p38">
+            <a:extLst>
+              <a:ext uri="{FF2B5EF4-FFF2-40B4-BE49-F238E27FC236}">
+                <a16:creationId xmlns:a16="http://schemas.microsoft.com/office/drawing/2014/main" id="{0545ECA3-98A3-49CC-830E-7ACA9185B586}"/>
+              </a:ext>
+            </a:extLst>
+          </p:cNvPr>
+          <p:cNvSpPr/>
+          <p:nvPr/>
+        </p:nvSpPr>
+        <p:spPr>
+          <a:xfrm>
+            <a:off x="4374497" y="1191408"/>
+            <a:ext cx="4232737" cy="3295234"/>
+          </a:xfrm>
+          <a:custGeom>
+            <a:avLst/>
+            <a:gdLst/>
+            <a:ahLst/>
+            <a:cxnLst/>
+            <a:rect l="l" t="t" r="r" b="b"/>
+            <a:pathLst>
+              <a:path w="143434" h="111665" extrusionOk="0">
+                <a:moveTo>
+                  <a:pt x="71751" y="2308"/>
+                </a:moveTo>
+                <a:lnTo>
+                  <a:pt x="71887" y="2376"/>
+                </a:lnTo>
+                <a:lnTo>
+                  <a:pt x="72091" y="2444"/>
+                </a:lnTo>
+                <a:lnTo>
+                  <a:pt x="72159" y="2647"/>
+                </a:lnTo>
+                <a:lnTo>
+                  <a:pt x="72226" y="2783"/>
+                </a:lnTo>
+                <a:lnTo>
+                  <a:pt x="72159" y="2987"/>
+                </a:lnTo>
+                <a:lnTo>
+                  <a:pt x="72091" y="3190"/>
+                </a:lnTo>
+                <a:lnTo>
+                  <a:pt x="71887" y="3258"/>
+                </a:lnTo>
+                <a:lnTo>
+                  <a:pt x="71751" y="3326"/>
+                </a:lnTo>
+                <a:lnTo>
+                  <a:pt x="71548" y="3258"/>
+                </a:lnTo>
+                <a:lnTo>
+                  <a:pt x="71344" y="3190"/>
+                </a:lnTo>
+                <a:lnTo>
+                  <a:pt x="71276" y="2987"/>
+                </a:lnTo>
+                <a:lnTo>
+                  <a:pt x="71208" y="2783"/>
+                </a:lnTo>
+                <a:lnTo>
+                  <a:pt x="71276" y="2647"/>
+                </a:lnTo>
+                <a:lnTo>
+                  <a:pt x="71344" y="2444"/>
+                </a:lnTo>
+                <a:lnTo>
+                  <a:pt x="71548" y="2376"/>
+                </a:lnTo>
+                <a:lnTo>
+                  <a:pt x="71751" y="2308"/>
+                </a:lnTo>
+                <a:close/>
+                <a:moveTo>
+                  <a:pt x="137528" y="5906"/>
+                </a:moveTo>
+                <a:lnTo>
+                  <a:pt x="137596" y="5974"/>
+                </a:lnTo>
+                <a:lnTo>
+                  <a:pt x="137596" y="89604"/>
+                </a:lnTo>
+                <a:lnTo>
+                  <a:pt x="5906" y="89604"/>
+                </a:lnTo>
+                <a:lnTo>
+                  <a:pt x="5906" y="5974"/>
+                </a:lnTo>
+                <a:lnTo>
+                  <a:pt x="5906" y="5906"/>
+                </a:lnTo>
+                <a:close/>
+                <a:moveTo>
+                  <a:pt x="3530" y="0"/>
+                </a:moveTo>
+                <a:lnTo>
+                  <a:pt x="3191" y="68"/>
+                </a:lnTo>
+                <a:lnTo>
+                  <a:pt x="2444" y="339"/>
+                </a:lnTo>
+                <a:lnTo>
+                  <a:pt x="1766" y="679"/>
+                </a:lnTo>
+                <a:lnTo>
+                  <a:pt x="1155" y="1154"/>
+                </a:lnTo>
+                <a:lnTo>
+                  <a:pt x="679" y="1765"/>
+                </a:lnTo>
+                <a:lnTo>
+                  <a:pt x="272" y="2444"/>
+                </a:lnTo>
+                <a:lnTo>
+                  <a:pt x="69" y="3190"/>
+                </a:lnTo>
+                <a:lnTo>
+                  <a:pt x="1" y="3598"/>
+                </a:lnTo>
+                <a:lnTo>
+                  <a:pt x="1" y="4005"/>
+                </a:lnTo>
+                <a:lnTo>
+                  <a:pt x="1" y="91572"/>
+                </a:lnTo>
+                <a:lnTo>
+                  <a:pt x="1" y="91979"/>
+                </a:lnTo>
+                <a:lnTo>
+                  <a:pt x="69" y="92319"/>
+                </a:lnTo>
+                <a:lnTo>
+                  <a:pt x="272" y="93065"/>
+                </a:lnTo>
+                <a:lnTo>
+                  <a:pt x="679" y="93744"/>
+                </a:lnTo>
+                <a:lnTo>
+                  <a:pt x="1155" y="94355"/>
+                </a:lnTo>
+                <a:lnTo>
+                  <a:pt x="1766" y="94830"/>
+                </a:lnTo>
+                <a:lnTo>
+                  <a:pt x="2444" y="95238"/>
+                </a:lnTo>
+                <a:lnTo>
+                  <a:pt x="3191" y="95441"/>
+                </a:lnTo>
+                <a:lnTo>
+                  <a:pt x="3530" y="95509"/>
+                </a:lnTo>
+                <a:lnTo>
+                  <a:pt x="139904" y="95509"/>
+                </a:lnTo>
+                <a:lnTo>
+                  <a:pt x="140311" y="95441"/>
+                </a:lnTo>
+                <a:lnTo>
+                  <a:pt x="141058" y="95238"/>
+                </a:lnTo>
+                <a:lnTo>
+                  <a:pt x="141737" y="94830"/>
+                </a:lnTo>
+                <a:lnTo>
+                  <a:pt x="142280" y="94355"/>
+                </a:lnTo>
+                <a:lnTo>
+                  <a:pt x="142755" y="93744"/>
+                </a:lnTo>
+                <a:lnTo>
+                  <a:pt x="143162" y="93065"/>
+                </a:lnTo>
+                <a:lnTo>
+                  <a:pt x="143366" y="92319"/>
+                </a:lnTo>
+                <a:lnTo>
+                  <a:pt x="143434" y="91979"/>
+                </a:lnTo>
+                <a:lnTo>
+                  <a:pt x="143434" y="91572"/>
+                </a:lnTo>
+                <a:lnTo>
+                  <a:pt x="143434" y="4005"/>
+                </a:lnTo>
+                <a:lnTo>
+                  <a:pt x="143434" y="3598"/>
+                </a:lnTo>
+                <a:lnTo>
+                  <a:pt x="143366" y="3190"/>
+                </a:lnTo>
+                <a:lnTo>
+                  <a:pt x="143162" y="2444"/>
+                </a:lnTo>
+                <a:lnTo>
+                  <a:pt x="142755" y="1765"/>
+                </a:lnTo>
+                <a:lnTo>
+                  <a:pt x="142280" y="1154"/>
+                </a:lnTo>
+                <a:lnTo>
+                  <a:pt x="141737" y="679"/>
+                </a:lnTo>
+                <a:lnTo>
+                  <a:pt x="141058" y="339"/>
+                </a:lnTo>
+                <a:lnTo>
+                  <a:pt x="140311" y="68"/>
+                </a:lnTo>
+                <a:lnTo>
+                  <a:pt x="139904" y="0"/>
+                </a:lnTo>
+                <a:close/>
+                <a:moveTo>
+                  <a:pt x="55324" y="95713"/>
+                </a:moveTo>
+                <a:lnTo>
+                  <a:pt x="55052" y="98971"/>
+                </a:lnTo>
+                <a:lnTo>
+                  <a:pt x="54713" y="102297"/>
+                </a:lnTo>
+                <a:lnTo>
+                  <a:pt x="54374" y="105284"/>
+                </a:lnTo>
+                <a:lnTo>
+                  <a:pt x="53966" y="107388"/>
+                </a:lnTo>
+                <a:lnTo>
+                  <a:pt x="53763" y="108203"/>
+                </a:lnTo>
+                <a:lnTo>
+                  <a:pt x="53627" y="108746"/>
+                </a:lnTo>
+                <a:lnTo>
+                  <a:pt x="53423" y="109153"/>
+                </a:lnTo>
+                <a:lnTo>
+                  <a:pt x="53220" y="109357"/>
+                </a:lnTo>
+                <a:lnTo>
+                  <a:pt x="52677" y="109493"/>
+                </a:lnTo>
+                <a:lnTo>
+                  <a:pt x="51794" y="109696"/>
+                </a:lnTo>
+                <a:lnTo>
+                  <a:pt x="49690" y="110036"/>
+                </a:lnTo>
+                <a:lnTo>
+                  <a:pt x="48061" y="110307"/>
+                </a:lnTo>
+                <a:lnTo>
+                  <a:pt x="47450" y="110443"/>
+                </a:lnTo>
+                <a:lnTo>
+                  <a:pt x="47110" y="110511"/>
+                </a:lnTo>
+                <a:lnTo>
+                  <a:pt x="47042" y="110579"/>
+                </a:lnTo>
+                <a:lnTo>
+                  <a:pt x="47042" y="110783"/>
+                </a:lnTo>
+                <a:lnTo>
+                  <a:pt x="47110" y="110850"/>
+                </a:lnTo>
+                <a:lnTo>
+                  <a:pt x="47585" y="110918"/>
+                </a:lnTo>
+                <a:lnTo>
+                  <a:pt x="48400" y="110986"/>
+                </a:lnTo>
+                <a:lnTo>
+                  <a:pt x="51387" y="111054"/>
+                </a:lnTo>
+                <a:lnTo>
+                  <a:pt x="56071" y="111122"/>
+                </a:lnTo>
+                <a:lnTo>
+                  <a:pt x="87092" y="111122"/>
+                </a:lnTo>
+                <a:lnTo>
+                  <a:pt x="91708" y="111054"/>
+                </a:lnTo>
+                <a:lnTo>
+                  <a:pt x="94695" y="110986"/>
+                </a:lnTo>
+                <a:lnTo>
+                  <a:pt x="95578" y="110918"/>
+                </a:lnTo>
+                <a:lnTo>
+                  <a:pt x="96053" y="110850"/>
+                </a:lnTo>
+                <a:lnTo>
+                  <a:pt x="96121" y="110783"/>
+                </a:lnTo>
+                <a:lnTo>
+                  <a:pt x="96121" y="110579"/>
+                </a:lnTo>
+                <a:lnTo>
+                  <a:pt x="96053" y="110511"/>
+                </a:lnTo>
+                <a:lnTo>
+                  <a:pt x="95713" y="110443"/>
+                </a:lnTo>
+                <a:lnTo>
+                  <a:pt x="95102" y="110307"/>
+                </a:lnTo>
+                <a:lnTo>
+                  <a:pt x="93473" y="110036"/>
+                </a:lnTo>
+                <a:lnTo>
+                  <a:pt x="91369" y="109696"/>
+                </a:lnTo>
+                <a:lnTo>
+                  <a:pt x="90487" y="109493"/>
+                </a:lnTo>
+                <a:lnTo>
+                  <a:pt x="89943" y="109357"/>
+                </a:lnTo>
+                <a:lnTo>
+                  <a:pt x="89740" y="109153"/>
+                </a:lnTo>
+                <a:lnTo>
+                  <a:pt x="89536" y="108746"/>
+                </a:lnTo>
+                <a:lnTo>
+                  <a:pt x="89333" y="108203"/>
+                </a:lnTo>
+                <a:lnTo>
+                  <a:pt x="89197" y="107388"/>
+                </a:lnTo>
+                <a:lnTo>
+                  <a:pt x="88789" y="105284"/>
+                </a:lnTo>
+                <a:lnTo>
+                  <a:pt x="88382" y="102297"/>
+                </a:lnTo>
+                <a:lnTo>
+                  <a:pt x="88043" y="98971"/>
+                </a:lnTo>
+                <a:lnTo>
+                  <a:pt x="87839" y="95713"/>
+                </a:lnTo>
+                <a:close/>
+                <a:moveTo>
+                  <a:pt x="47450" y="111054"/>
+                </a:moveTo>
+                <a:lnTo>
+                  <a:pt x="47450" y="111122"/>
+                </a:lnTo>
+                <a:lnTo>
+                  <a:pt x="47450" y="111393"/>
+                </a:lnTo>
+                <a:lnTo>
+                  <a:pt x="47518" y="111461"/>
+                </a:lnTo>
+                <a:lnTo>
+                  <a:pt x="48807" y="111529"/>
+                </a:lnTo>
+                <a:lnTo>
+                  <a:pt x="52473" y="111597"/>
+                </a:lnTo>
+                <a:lnTo>
+                  <a:pt x="62384" y="111665"/>
+                </a:lnTo>
+                <a:lnTo>
+                  <a:pt x="80779" y="111665"/>
+                </a:lnTo>
+                <a:lnTo>
+                  <a:pt x="90622" y="111597"/>
+                </a:lnTo>
+                <a:lnTo>
+                  <a:pt x="94356" y="111529"/>
+                </a:lnTo>
+                <a:lnTo>
+                  <a:pt x="95646" y="111461"/>
+                </a:lnTo>
+                <a:lnTo>
+                  <a:pt x="95713" y="111393"/>
+                </a:lnTo>
+                <a:lnTo>
+                  <a:pt x="95713" y="111122"/>
+                </a:lnTo>
+                <a:lnTo>
+                  <a:pt x="95646" y="111054"/>
+                </a:lnTo>
+                <a:lnTo>
+                  <a:pt x="94084" y="111122"/>
+                </a:lnTo>
+                <a:lnTo>
+                  <a:pt x="91233" y="111190"/>
+                </a:lnTo>
+                <a:lnTo>
+                  <a:pt x="80847" y="111258"/>
+                </a:lnTo>
+                <a:lnTo>
+                  <a:pt x="62316" y="111258"/>
+                </a:lnTo>
+                <a:lnTo>
+                  <a:pt x="51930" y="111190"/>
+                </a:lnTo>
+                <a:lnTo>
+                  <a:pt x="49079" y="111122"/>
+                </a:lnTo>
+                <a:lnTo>
+                  <a:pt x="47518" y="111054"/>
+                </a:lnTo>
+                <a:close/>
+              </a:path>
+            </a:pathLst>
+          </a:custGeom>
+          <a:noFill/>
+          <a:ln w="9525" cap="flat" cmpd="sng">
+            <a:solidFill>
+              <a:srgbClr val="0B5394"/>
+            </a:solidFill>
+            <a:prstDash val="solid"/>
+            <a:round/>
+            <a:headEnd type="none" w="sm" len="sm"/>
+            <a:tailEnd type="none" w="sm" len="sm"/>
+          </a:ln>
         </p:spPr>
         <p:txBody>
           <a:bodyPr spcFirstLastPara="1" wrap="square" lIns="91425" tIns="91425" rIns="91425" bIns="91425" anchor="ctr" anchorCtr="0">
@@ -12502,7 +13277,7 @@
           </a:bodyPr>
           <a:lstStyle/>
           <a:p>
-            <a:pPr marL="0" lvl="0" indent="0" algn="ctr" rtl="0">
+            <a:pPr marL="0" lvl="0" indent="0" algn="l" rtl="0">
               <a:spcBef>
                 <a:spcPts val="0"/>
               </a:spcBef>
@@ -12511,65 +13286,361 @@
               </a:spcAft>
               <a:buNone/>
             </a:pPr>
-            <a:fld id="{00000000-1234-1234-1234-123412341234}" type="slidenum">
-              <a:rPr lang="en"/>
-              <a:t>18</a:t>
-            </a:fld>
             <a:endParaRPr/>
           </a:p>
         </p:txBody>
       </p:sp>
       <p:sp>
         <p:nvSpPr>
-          <p:cNvPr id="263" name="Google Shape;263;p39"/>
+          <p:cNvPr id="5" name="Google Shape;255;p38">
+            <a:extLst>
+              <a:ext uri="{FF2B5EF4-FFF2-40B4-BE49-F238E27FC236}">
+                <a16:creationId xmlns:a16="http://schemas.microsoft.com/office/drawing/2014/main" id="{785C85CB-2FCE-4D72-BD41-0231BE22243D}"/>
+              </a:ext>
+            </a:extLst>
+          </p:cNvPr>
           <p:cNvSpPr txBox="1">
-            <a:spLocks noGrp="1"/>
+            <a:spLocks/>
           </p:cNvSpPr>
-          <p:nvPr>
-            <p:ph type="body" idx="4294967295"/>
-          </p:nvPr>
+          <p:nvPr/>
         </p:nvSpPr>
         <p:spPr>
           <a:xfrm>
-            <a:off x="866375" y="1955748"/>
-            <a:ext cx="3966600" cy="2106300"/>
+            <a:off x="1132189" y="2193203"/>
+            <a:ext cx="2501700" cy="2314705"/>
+          </a:xfrm>
+          <a:prstGeom prst="rect">
+            <a:avLst/>
+          </a:prstGeom>
+          <a:noFill/>
+          <a:ln>
+            <a:noFill/>
+          </a:ln>
+        </p:spPr>
+        <p:txBody>
+          <a:bodyPr spcFirstLastPara="1" wrap="square" lIns="91425" tIns="91425" rIns="91425" bIns="91425" anchor="t" anchorCtr="0">
+            <a:noAutofit/>
+          </a:bodyPr>
+          <a:lstStyle>
+            <a:defPPr marR="0" lvl="0" algn="l" rtl="0">
+              <a:lnSpc>
+                <a:spcPct val="100000"/>
+              </a:lnSpc>
+              <a:spcBef>
+                <a:spcPts val="0"/>
+              </a:spcBef>
+              <a:spcAft>
+                <a:spcPts val="0"/>
+              </a:spcAft>
+            </a:defPPr>
+            <a:lvl1pPr marL="457200" marR="0" lvl="0" indent="-317500" algn="l" rtl="0">
+              <a:lnSpc>
+                <a:spcPct val="106000"/>
+              </a:lnSpc>
+              <a:spcBef>
+                <a:spcPts val="0"/>
+              </a:spcBef>
+              <a:spcAft>
+                <a:spcPts val="0"/>
+              </a:spcAft>
+              <a:buClr>
+                <a:srgbClr val="0B5394"/>
+              </a:buClr>
+              <a:buSzPts val="1400"/>
+              <a:buFont typeface="Pangolin"/>
+              <a:buChar char="✗"/>
+              <a:defRPr sz="1800" b="0" i="0" u="none" strike="noStrike" cap="none">
+                <a:solidFill>
+                  <a:srgbClr val="0B5394"/>
+                </a:solidFill>
+                <a:latin typeface="Pangolin"/>
+                <a:ea typeface="Pangolin"/>
+                <a:cs typeface="Pangolin"/>
+                <a:sym typeface="Pangolin"/>
+              </a:defRPr>
+            </a:lvl1pPr>
+            <a:lvl2pPr marL="914400" marR="0" lvl="1" indent="-317500" algn="l" rtl="0">
+              <a:lnSpc>
+                <a:spcPct val="106000"/>
+              </a:lnSpc>
+              <a:spcBef>
+                <a:spcPts val="0"/>
+              </a:spcBef>
+              <a:spcAft>
+                <a:spcPts val="0"/>
+              </a:spcAft>
+              <a:buClr>
+                <a:srgbClr val="0B5394"/>
+              </a:buClr>
+              <a:buSzPts val="1400"/>
+              <a:buFont typeface="Pangolin"/>
+              <a:buChar char="✗"/>
+              <a:defRPr sz="1800" b="0" i="0" u="none" strike="noStrike" cap="none">
+                <a:solidFill>
+                  <a:srgbClr val="0B5394"/>
+                </a:solidFill>
+                <a:latin typeface="Pangolin"/>
+                <a:ea typeface="Pangolin"/>
+                <a:cs typeface="Pangolin"/>
+                <a:sym typeface="Pangolin"/>
+              </a:defRPr>
+            </a:lvl2pPr>
+            <a:lvl3pPr marL="1371600" marR="0" lvl="2" indent="-317500" algn="l" rtl="0">
+              <a:lnSpc>
+                <a:spcPct val="106000"/>
+              </a:lnSpc>
+              <a:spcBef>
+                <a:spcPts val="0"/>
+              </a:spcBef>
+              <a:spcAft>
+                <a:spcPts val="0"/>
+              </a:spcAft>
+              <a:buClr>
+                <a:srgbClr val="0B5394"/>
+              </a:buClr>
+              <a:buSzPts val="1400"/>
+              <a:buFont typeface="Pangolin"/>
+              <a:buChar char="✗"/>
+              <a:defRPr sz="1800" b="0" i="0" u="none" strike="noStrike" cap="none">
+                <a:solidFill>
+                  <a:srgbClr val="0B5394"/>
+                </a:solidFill>
+                <a:latin typeface="Pangolin"/>
+                <a:ea typeface="Pangolin"/>
+                <a:cs typeface="Pangolin"/>
+                <a:sym typeface="Pangolin"/>
+              </a:defRPr>
+            </a:lvl3pPr>
+            <a:lvl4pPr marL="1828800" marR="0" lvl="3" indent="-317500" algn="l" rtl="0">
+              <a:lnSpc>
+                <a:spcPct val="106000"/>
+              </a:lnSpc>
+              <a:spcBef>
+                <a:spcPts val="0"/>
+              </a:spcBef>
+              <a:spcAft>
+                <a:spcPts val="0"/>
+              </a:spcAft>
+              <a:buClr>
+                <a:srgbClr val="0B5394"/>
+              </a:buClr>
+              <a:buSzPts val="1400"/>
+              <a:buFont typeface="Pangolin"/>
+              <a:buChar char="✗"/>
+              <a:defRPr sz="1800" b="0" i="0" u="none" strike="noStrike" cap="none">
+                <a:solidFill>
+                  <a:srgbClr val="0B5394"/>
+                </a:solidFill>
+                <a:latin typeface="Pangolin"/>
+                <a:ea typeface="Pangolin"/>
+                <a:cs typeface="Pangolin"/>
+                <a:sym typeface="Pangolin"/>
+              </a:defRPr>
+            </a:lvl4pPr>
+            <a:lvl5pPr marL="2286000" marR="0" lvl="4" indent="-342900" algn="l" rtl="0">
+              <a:lnSpc>
+                <a:spcPct val="106000"/>
+              </a:lnSpc>
+              <a:spcBef>
+                <a:spcPts val="0"/>
+              </a:spcBef>
+              <a:spcAft>
+                <a:spcPts val="0"/>
+              </a:spcAft>
+              <a:buClr>
+                <a:srgbClr val="0B5394"/>
+              </a:buClr>
+              <a:buSzPts val="1800"/>
+              <a:buFont typeface="Pangolin"/>
+              <a:buChar char="✗"/>
+              <a:defRPr sz="1800" b="0" i="0" u="none" strike="noStrike" cap="none">
+                <a:solidFill>
+                  <a:srgbClr val="0B5394"/>
+                </a:solidFill>
+                <a:latin typeface="Pangolin"/>
+                <a:ea typeface="Pangolin"/>
+                <a:cs typeface="Pangolin"/>
+                <a:sym typeface="Pangolin"/>
+              </a:defRPr>
+            </a:lvl5pPr>
+            <a:lvl6pPr marL="2743200" marR="0" lvl="5" indent="-342900" algn="l" rtl="0">
+              <a:lnSpc>
+                <a:spcPct val="106000"/>
+              </a:lnSpc>
+              <a:spcBef>
+                <a:spcPts val="0"/>
+              </a:spcBef>
+              <a:spcAft>
+                <a:spcPts val="0"/>
+              </a:spcAft>
+              <a:buClr>
+                <a:srgbClr val="0B5394"/>
+              </a:buClr>
+              <a:buSzPts val="1800"/>
+              <a:buFont typeface="Pangolin"/>
+              <a:buChar char="✗"/>
+              <a:defRPr sz="1800" b="0" i="0" u="none" strike="noStrike" cap="none">
+                <a:solidFill>
+                  <a:srgbClr val="0B5394"/>
+                </a:solidFill>
+                <a:latin typeface="Pangolin"/>
+                <a:ea typeface="Pangolin"/>
+                <a:cs typeface="Pangolin"/>
+                <a:sym typeface="Pangolin"/>
+              </a:defRPr>
+            </a:lvl6pPr>
+            <a:lvl7pPr marL="3200400" marR="0" lvl="6" indent="-342900" algn="l" rtl="0">
+              <a:lnSpc>
+                <a:spcPct val="106000"/>
+              </a:lnSpc>
+              <a:spcBef>
+                <a:spcPts val="0"/>
+              </a:spcBef>
+              <a:spcAft>
+                <a:spcPts val="0"/>
+              </a:spcAft>
+              <a:buClr>
+                <a:srgbClr val="0B5394"/>
+              </a:buClr>
+              <a:buSzPts val="1800"/>
+              <a:buFont typeface="Pangolin"/>
+              <a:buChar char="✗"/>
+              <a:defRPr sz="1800" b="0" i="0" u="none" strike="noStrike" cap="none">
+                <a:solidFill>
+                  <a:srgbClr val="0B5394"/>
+                </a:solidFill>
+                <a:latin typeface="Pangolin"/>
+                <a:ea typeface="Pangolin"/>
+                <a:cs typeface="Pangolin"/>
+                <a:sym typeface="Pangolin"/>
+              </a:defRPr>
+            </a:lvl7pPr>
+            <a:lvl8pPr marL="3657600" marR="0" lvl="7" indent="-342900" algn="l" rtl="0">
+              <a:lnSpc>
+                <a:spcPct val="106000"/>
+              </a:lnSpc>
+              <a:spcBef>
+                <a:spcPts val="0"/>
+              </a:spcBef>
+              <a:spcAft>
+                <a:spcPts val="0"/>
+              </a:spcAft>
+              <a:buClr>
+                <a:srgbClr val="0B5394"/>
+              </a:buClr>
+              <a:buSzPts val="1800"/>
+              <a:buFont typeface="Pangolin"/>
+              <a:buChar char="✗"/>
+              <a:defRPr sz="1800" b="0" i="0" u="none" strike="noStrike" cap="none">
+                <a:solidFill>
+                  <a:srgbClr val="0B5394"/>
+                </a:solidFill>
+                <a:latin typeface="Pangolin"/>
+                <a:ea typeface="Pangolin"/>
+                <a:cs typeface="Pangolin"/>
+                <a:sym typeface="Pangolin"/>
+              </a:defRPr>
+            </a:lvl8pPr>
+            <a:lvl9pPr marL="4114800" marR="0" lvl="8" indent="-342900" algn="l" rtl="0">
+              <a:lnSpc>
+                <a:spcPct val="106000"/>
+              </a:lnSpc>
+              <a:spcBef>
+                <a:spcPts val="0"/>
+              </a:spcBef>
+              <a:spcAft>
+                <a:spcPts val="0"/>
+              </a:spcAft>
+              <a:buClr>
+                <a:srgbClr val="0B5394"/>
+              </a:buClr>
+              <a:buSzPts val="1800"/>
+              <a:buFont typeface="Pangolin"/>
+              <a:buChar char="✗"/>
+              <a:defRPr sz="1800" b="0" i="0" u="none" strike="noStrike" cap="none">
+                <a:solidFill>
+                  <a:srgbClr val="0B5394"/>
+                </a:solidFill>
+                <a:latin typeface="Pangolin"/>
+                <a:ea typeface="Pangolin"/>
+                <a:cs typeface="Pangolin"/>
+                <a:sym typeface="Pangolin"/>
+              </a:defRPr>
+            </a:lvl9pPr>
+          </a:lstStyle>
+          <a:p>
+            <a:pPr marL="0" indent="0">
+              <a:buFont typeface="Pangolin"/>
+              <a:buNone/>
+            </a:pPr>
+            <a:r>
+              <a:rPr lang="es-ES" sz="2000" dirty="0"/>
+              <a:t>•</a:t>
+            </a:r>
+            <a:r>
+              <a:rPr lang="es-ES" dirty="0"/>
+              <a:t>En vez de asignar valores </a:t>
+            </a:r>
+            <a:r>
+              <a:rPr lang="es-ES" i="1" dirty="0" err="1"/>
+              <a:t>String</a:t>
+            </a:r>
+            <a:r>
+              <a:rPr lang="es-ES" dirty="0"/>
+              <a:t> o </a:t>
+            </a:r>
+            <a:r>
+              <a:rPr lang="es-ES" i="1" dirty="0" err="1"/>
+              <a:t>Integer</a:t>
+            </a:r>
+            <a:r>
+              <a:rPr lang="es-ES" dirty="0"/>
+              <a:t> que no son únicos, se pueden usar los Symbol</a:t>
+            </a:r>
+            <a:endParaRPr lang="es-ES" dirty="0">
+              <a:solidFill>
+                <a:schemeClr val="bg2"/>
+              </a:solidFill>
+            </a:endParaRPr>
+          </a:p>
+        </p:txBody>
+      </p:sp>
+      <p:pic>
+        <p:nvPicPr>
+          <p:cNvPr id="9" name="Imagen 8">
+            <a:extLst>
+              <a:ext uri="{FF2B5EF4-FFF2-40B4-BE49-F238E27FC236}">
+                <a16:creationId xmlns:a16="http://schemas.microsoft.com/office/drawing/2014/main" id="{3A663C19-D37B-4A8D-9232-48127248A411}"/>
+              </a:ext>
+            </a:extLst>
+          </p:cNvPr>
+          <p:cNvPicPr>
+            <a:picLocks noChangeAspect="1"/>
+          </p:cNvPicPr>
+          <p:nvPr/>
+        </p:nvPicPr>
+        <p:blipFill>
+          <a:blip r:embed="rId2"/>
+          <a:stretch>
+            <a:fillRect/>
+          </a:stretch>
+        </p:blipFill>
+        <p:spPr>
+          <a:xfrm>
+            <a:off x="4572000" y="1360968"/>
+            <a:ext cx="3862175" cy="2488018"/>
           </a:xfrm>
           <a:prstGeom prst="rect">
             <a:avLst/>
           </a:prstGeom>
         </p:spPr>
-        <p:txBody>
-          <a:bodyPr spcFirstLastPara="1" wrap="square" lIns="91425" tIns="91425" rIns="91425" bIns="91425" anchor="t" anchorCtr="0">
-            <a:noAutofit/>
-          </a:bodyPr>
-          <a:lstStyle/>
-          <a:p>
-            <a:pPr marL="0" lvl="0" indent="0" algn="l" rtl="0">
-              <a:spcBef>
-                <a:spcPts val="0"/>
-              </a:spcBef>
-              <a:spcAft>
-                <a:spcPts val="0"/>
-              </a:spcAft>
-              <a:buNone/>
-            </a:pPr>
-            <a:r>
-              <a:rPr lang="en" sz="3600" dirty="0"/>
-              <a:t>¿</a:t>
-            </a:r>
-            <a:r>
-              <a:rPr lang="es-ES" sz="3600" dirty="0"/>
-              <a:t>Alguna pregunta</a:t>
-            </a:r>
-            <a:r>
-              <a:rPr lang="en" sz="3600" dirty="0"/>
-              <a:t>?</a:t>
-            </a:r>
-            <a:endParaRPr dirty="0"/>
-          </a:p>
-        </p:txBody>
-      </p:sp>
+      </p:pic>
     </p:spTree>
+    <p:extLst>
+      <p:ext uri="{BB962C8B-B14F-4D97-AF65-F5344CB8AC3E}">
+        <p14:creationId xmlns:p14="http://schemas.microsoft.com/office/powerpoint/2010/main" val="1156174307"/>
+      </p:ext>
+    </p:extLst>
   </p:cSld>
   <p:clrMapOvr>
     <a:masterClrMapping/>
@@ -12596,124 +13667,10 @@
       </p:grpSpPr>
       <p:sp>
         <p:nvSpPr>
-          <p:cNvPr id="2" name="Título 1">
+          <p:cNvPr id="2" name="Marcador de número de diapositiva 1">
             <a:extLst>
               <a:ext uri="{FF2B5EF4-FFF2-40B4-BE49-F238E27FC236}">
-                <a16:creationId xmlns:a16="http://schemas.microsoft.com/office/drawing/2014/main" id="{E80B2E5A-2B40-48BB-9399-2BD0775DFD65}"/>
-              </a:ext>
-            </a:extLst>
-          </p:cNvPr>
-          <p:cNvSpPr>
-            <a:spLocks noGrp="1"/>
-          </p:cNvSpPr>
-          <p:nvPr>
-            <p:ph type="title"/>
-          </p:nvPr>
-        </p:nvSpPr>
-        <p:spPr/>
-        <p:txBody>
-          <a:bodyPr/>
-          <a:lstStyle/>
-          <a:p>
-            <a:r>
-              <a:rPr lang="es-ES" sz="4000" dirty="0"/>
-              <a:t>REFERENCIAS</a:t>
-            </a:r>
-          </a:p>
-        </p:txBody>
-      </p:sp>
-      <p:sp>
-        <p:nvSpPr>
-          <p:cNvPr id="3" name="Marcador de texto 2">
-            <a:extLst>
-              <a:ext uri="{FF2B5EF4-FFF2-40B4-BE49-F238E27FC236}">
-                <a16:creationId xmlns:a16="http://schemas.microsoft.com/office/drawing/2014/main" id="{49EE84A2-1B34-48AD-8D86-6BCC08F3DFA3}"/>
-              </a:ext>
-            </a:extLst>
-          </p:cNvPr>
-          <p:cNvSpPr>
-            <a:spLocks noGrp="1"/>
-          </p:cNvSpPr>
-          <p:nvPr>
-            <p:ph type="body" idx="1"/>
-          </p:nvPr>
-        </p:nvSpPr>
-        <p:spPr>
-          <a:xfrm>
-            <a:off x="866374" y="1331673"/>
-            <a:ext cx="7567799" cy="3152700"/>
-          </a:xfrm>
-        </p:spPr>
-        <p:txBody>
-          <a:bodyPr/>
-          <a:lstStyle/>
-          <a:p>
-            <a:pPr marL="127000" indent="0">
-              <a:buNone/>
-            </a:pPr>
-            <a:r>
-              <a:rPr lang="en-US" sz="2000" dirty="0"/>
-              <a:t>•https://developer.mozilla.org/</a:t>
-            </a:r>
-            <a:r>
-              <a:rPr lang="en-US" sz="2000" dirty="0" err="1"/>
-              <a:t>es</a:t>
-            </a:r>
-            <a:r>
-              <a:rPr lang="en-US" sz="2000" dirty="0"/>
-              <a:t>/docs/Web/JavaScript/</a:t>
-            </a:r>
-            <a:r>
-              <a:rPr lang="en-US" sz="2000" dirty="0" err="1"/>
-              <a:t>Referencia</a:t>
-            </a:r>
-            <a:r>
-              <a:rPr lang="en-US" sz="2000" dirty="0"/>
-              <a:t>/</a:t>
-            </a:r>
-            <a:r>
-              <a:rPr lang="en-US" sz="2000" dirty="0" err="1"/>
-              <a:t>Objetos_globales</a:t>
-            </a:r>
-            <a:r>
-              <a:rPr lang="en-US" sz="2000" dirty="0"/>
-              <a:t>/Symbol</a:t>
-            </a:r>
-            <a:endParaRPr lang="en-US" sz="2000" b="1" dirty="0"/>
-          </a:p>
-          <a:p>
-            <a:pPr marL="127000" indent="0">
-              <a:buNone/>
-            </a:pPr>
-            <a:endParaRPr lang="en-US" sz="2000" b="1" dirty="0"/>
-          </a:p>
-          <a:p>
-            <a:pPr marL="127000" indent="0">
-              <a:buNone/>
-            </a:pPr>
-            <a:r>
-              <a:rPr lang="en-US" sz="2000" dirty="0"/>
-              <a:t>•</a:t>
-            </a:r>
-            <a:r>
-              <a:rPr lang="es-ES" sz="2000" dirty="0"/>
-              <a:t>https://www.keithcirkel.co.uk/metaprogramming-in-es6-symbols/</a:t>
-            </a:r>
-          </a:p>
-          <a:p>
-            <a:pPr marL="127000" indent="0">
-              <a:buNone/>
-            </a:pPr>
-            <a:endParaRPr lang="en-US" sz="2000" b="1" dirty="0"/>
-          </a:p>
-        </p:txBody>
-      </p:sp>
-      <p:sp>
-        <p:nvSpPr>
-          <p:cNvPr id="6" name="Marcador de número de diapositiva 5">
-            <a:extLst>
-              <a:ext uri="{FF2B5EF4-FFF2-40B4-BE49-F238E27FC236}">
-                <a16:creationId xmlns:a16="http://schemas.microsoft.com/office/drawing/2014/main" id="{D6F608B4-93C7-47ED-B1E6-5F8B270831B4}"/>
+                <a16:creationId xmlns:a16="http://schemas.microsoft.com/office/drawing/2014/main" id="{13D5966C-4BC9-4659-AF15-53461D4A6455}"/>
               </a:ext>
             </a:extLst>
           </p:cNvPr>
@@ -12746,10 +13703,1122 @@
           </a:p>
         </p:txBody>
       </p:sp>
+      <p:sp>
+        <p:nvSpPr>
+          <p:cNvPr id="3" name="Título 1">
+            <a:extLst>
+              <a:ext uri="{FF2B5EF4-FFF2-40B4-BE49-F238E27FC236}">
+                <a16:creationId xmlns:a16="http://schemas.microsoft.com/office/drawing/2014/main" id="{5F8D1327-15D2-4C52-962D-46093E53EFD9}"/>
+              </a:ext>
+            </a:extLst>
+          </p:cNvPr>
+          <p:cNvSpPr txBox="1">
+            <a:spLocks/>
+          </p:cNvSpPr>
+          <p:nvPr/>
+        </p:nvSpPr>
+        <p:spPr>
+          <a:xfrm>
+            <a:off x="866375" y="582664"/>
+            <a:ext cx="7567800" cy="857400"/>
+          </a:xfrm>
+          <a:prstGeom prst="rect">
+            <a:avLst/>
+          </a:prstGeom>
+        </p:spPr>
+        <p:txBody>
+          <a:bodyPr/>
+          <a:lstStyle>
+            <a:defPPr marR="0" lvl="0" algn="l" rtl="0">
+              <a:lnSpc>
+                <a:spcPct val="100000"/>
+              </a:lnSpc>
+              <a:spcBef>
+                <a:spcPts val="0"/>
+              </a:spcBef>
+              <a:spcAft>
+                <a:spcPts val="0"/>
+              </a:spcAft>
+            </a:defPPr>
+            <a:lvl1pPr marR="0" lvl="0" algn="l" rtl="0">
+              <a:lnSpc>
+                <a:spcPct val="100000"/>
+              </a:lnSpc>
+              <a:spcBef>
+                <a:spcPts val="0"/>
+              </a:spcBef>
+              <a:spcAft>
+                <a:spcPts val="0"/>
+              </a:spcAft>
+              <a:buClr>
+                <a:srgbClr val="000000"/>
+              </a:buClr>
+              <a:buFont typeface="Arial"/>
+              <a:defRPr sz="1400" b="0" i="0" u="none" strike="noStrike" cap="none">
+                <a:solidFill>
+                  <a:srgbClr val="000000"/>
+                </a:solidFill>
+                <a:latin typeface="Arial"/>
+                <a:ea typeface="Arial"/>
+                <a:cs typeface="Arial"/>
+                <a:sym typeface="Arial"/>
+              </a:defRPr>
+            </a:lvl1pPr>
+            <a:lvl2pPr marR="0" lvl="1" algn="l" rtl="0">
+              <a:lnSpc>
+                <a:spcPct val="100000"/>
+              </a:lnSpc>
+              <a:spcBef>
+                <a:spcPts val="0"/>
+              </a:spcBef>
+              <a:spcAft>
+                <a:spcPts val="0"/>
+              </a:spcAft>
+              <a:buClr>
+                <a:srgbClr val="000000"/>
+              </a:buClr>
+              <a:buFont typeface="Arial"/>
+              <a:defRPr sz="1400" b="0" i="0" u="none" strike="noStrike" cap="none">
+                <a:solidFill>
+                  <a:srgbClr val="000000"/>
+                </a:solidFill>
+                <a:latin typeface="Arial"/>
+                <a:ea typeface="Arial"/>
+                <a:cs typeface="Arial"/>
+                <a:sym typeface="Arial"/>
+              </a:defRPr>
+            </a:lvl2pPr>
+            <a:lvl3pPr marR="0" lvl="2" algn="l" rtl="0">
+              <a:lnSpc>
+                <a:spcPct val="100000"/>
+              </a:lnSpc>
+              <a:spcBef>
+                <a:spcPts val="0"/>
+              </a:spcBef>
+              <a:spcAft>
+                <a:spcPts val="0"/>
+              </a:spcAft>
+              <a:buClr>
+                <a:srgbClr val="000000"/>
+              </a:buClr>
+              <a:buFont typeface="Arial"/>
+              <a:defRPr sz="1400" b="0" i="0" u="none" strike="noStrike" cap="none">
+                <a:solidFill>
+                  <a:srgbClr val="000000"/>
+                </a:solidFill>
+                <a:latin typeface="Arial"/>
+                <a:ea typeface="Arial"/>
+                <a:cs typeface="Arial"/>
+                <a:sym typeface="Arial"/>
+              </a:defRPr>
+            </a:lvl3pPr>
+            <a:lvl4pPr marR="0" lvl="3" algn="l" rtl="0">
+              <a:lnSpc>
+                <a:spcPct val="100000"/>
+              </a:lnSpc>
+              <a:spcBef>
+                <a:spcPts val="0"/>
+              </a:spcBef>
+              <a:spcAft>
+                <a:spcPts val="0"/>
+              </a:spcAft>
+              <a:buClr>
+                <a:srgbClr val="000000"/>
+              </a:buClr>
+              <a:buFont typeface="Arial"/>
+              <a:defRPr sz="1400" b="0" i="0" u="none" strike="noStrike" cap="none">
+                <a:solidFill>
+                  <a:srgbClr val="000000"/>
+                </a:solidFill>
+                <a:latin typeface="Arial"/>
+                <a:ea typeface="Arial"/>
+                <a:cs typeface="Arial"/>
+                <a:sym typeface="Arial"/>
+              </a:defRPr>
+            </a:lvl4pPr>
+            <a:lvl5pPr marR="0" lvl="4" algn="l" rtl="0">
+              <a:lnSpc>
+                <a:spcPct val="100000"/>
+              </a:lnSpc>
+              <a:spcBef>
+                <a:spcPts val="0"/>
+              </a:spcBef>
+              <a:spcAft>
+                <a:spcPts val="0"/>
+              </a:spcAft>
+              <a:buClr>
+                <a:srgbClr val="000000"/>
+              </a:buClr>
+              <a:buFont typeface="Arial"/>
+              <a:defRPr sz="1400" b="0" i="0" u="none" strike="noStrike" cap="none">
+                <a:solidFill>
+                  <a:srgbClr val="000000"/>
+                </a:solidFill>
+                <a:latin typeface="Arial"/>
+                <a:ea typeface="Arial"/>
+                <a:cs typeface="Arial"/>
+                <a:sym typeface="Arial"/>
+              </a:defRPr>
+            </a:lvl5pPr>
+            <a:lvl6pPr marR="0" lvl="5" algn="l" rtl="0">
+              <a:lnSpc>
+                <a:spcPct val="100000"/>
+              </a:lnSpc>
+              <a:spcBef>
+                <a:spcPts val="0"/>
+              </a:spcBef>
+              <a:spcAft>
+                <a:spcPts val="0"/>
+              </a:spcAft>
+              <a:buClr>
+                <a:srgbClr val="000000"/>
+              </a:buClr>
+              <a:buFont typeface="Arial"/>
+              <a:defRPr sz="1400" b="0" i="0" u="none" strike="noStrike" cap="none">
+                <a:solidFill>
+                  <a:srgbClr val="000000"/>
+                </a:solidFill>
+                <a:latin typeface="Arial"/>
+                <a:ea typeface="Arial"/>
+                <a:cs typeface="Arial"/>
+                <a:sym typeface="Arial"/>
+              </a:defRPr>
+            </a:lvl6pPr>
+            <a:lvl7pPr marR="0" lvl="6" algn="l" rtl="0">
+              <a:lnSpc>
+                <a:spcPct val="100000"/>
+              </a:lnSpc>
+              <a:spcBef>
+                <a:spcPts val="0"/>
+              </a:spcBef>
+              <a:spcAft>
+                <a:spcPts val="0"/>
+              </a:spcAft>
+              <a:buClr>
+                <a:srgbClr val="000000"/>
+              </a:buClr>
+              <a:buFont typeface="Arial"/>
+              <a:defRPr sz="1400" b="0" i="0" u="none" strike="noStrike" cap="none">
+                <a:solidFill>
+                  <a:srgbClr val="000000"/>
+                </a:solidFill>
+                <a:latin typeface="Arial"/>
+                <a:ea typeface="Arial"/>
+                <a:cs typeface="Arial"/>
+                <a:sym typeface="Arial"/>
+              </a:defRPr>
+            </a:lvl7pPr>
+            <a:lvl8pPr marR="0" lvl="7" algn="l" rtl="0">
+              <a:lnSpc>
+                <a:spcPct val="100000"/>
+              </a:lnSpc>
+              <a:spcBef>
+                <a:spcPts val="0"/>
+              </a:spcBef>
+              <a:spcAft>
+                <a:spcPts val="0"/>
+              </a:spcAft>
+              <a:buClr>
+                <a:srgbClr val="000000"/>
+              </a:buClr>
+              <a:buFont typeface="Arial"/>
+              <a:defRPr sz="1400" b="0" i="0" u="none" strike="noStrike" cap="none">
+                <a:solidFill>
+                  <a:srgbClr val="000000"/>
+                </a:solidFill>
+                <a:latin typeface="Arial"/>
+                <a:ea typeface="Arial"/>
+                <a:cs typeface="Arial"/>
+                <a:sym typeface="Arial"/>
+              </a:defRPr>
+            </a:lvl8pPr>
+            <a:lvl9pPr marR="0" lvl="8" algn="l" rtl="0">
+              <a:lnSpc>
+                <a:spcPct val="100000"/>
+              </a:lnSpc>
+              <a:spcBef>
+                <a:spcPts val="0"/>
+              </a:spcBef>
+              <a:spcAft>
+                <a:spcPts val="0"/>
+              </a:spcAft>
+              <a:buClr>
+                <a:srgbClr val="000000"/>
+              </a:buClr>
+              <a:buFont typeface="Arial"/>
+              <a:defRPr sz="1400" b="0" i="0" u="none" strike="noStrike" cap="none">
+                <a:solidFill>
+                  <a:srgbClr val="000000"/>
+                </a:solidFill>
+                <a:latin typeface="Arial"/>
+                <a:ea typeface="Arial"/>
+                <a:cs typeface="Arial"/>
+                <a:sym typeface="Arial"/>
+              </a:defRPr>
+            </a:lvl9pPr>
+          </a:lstStyle>
+          <a:p>
+            <a:r>
+              <a:rPr lang="es-ES" sz="3200" dirty="0">
+                <a:solidFill>
+                  <a:schemeClr val="bg2">
+                    <a:lumMod val="75000"/>
+                  </a:schemeClr>
+                </a:solidFill>
+                <a:latin typeface="Inconsolata" panose="020B0604020202020204" charset="0"/>
+              </a:rPr>
+              <a:t>3. USOS DE LOS SYMBOL: GUARDAR METADATA EN </a:t>
+            </a:r>
+          </a:p>
+          <a:p>
+            <a:r>
+              <a:rPr lang="es-ES" sz="3200" dirty="0">
+                <a:solidFill>
+                  <a:schemeClr val="bg2">
+                    <a:lumMod val="75000"/>
+                  </a:schemeClr>
+                </a:solidFill>
+                <a:latin typeface="Inconsolata" panose="020B0604020202020204" charset="0"/>
+              </a:rPr>
+              <a:t>OBJETOS</a:t>
+            </a:r>
+          </a:p>
+        </p:txBody>
+      </p:sp>
+      <p:sp>
+        <p:nvSpPr>
+          <p:cNvPr id="4" name="Google Shape;252;p38">
+            <a:extLst>
+              <a:ext uri="{FF2B5EF4-FFF2-40B4-BE49-F238E27FC236}">
+                <a16:creationId xmlns:a16="http://schemas.microsoft.com/office/drawing/2014/main" id="{A913B7C9-93DE-4603-862A-7F77A1515AF8}"/>
+              </a:ext>
+            </a:extLst>
+          </p:cNvPr>
+          <p:cNvSpPr/>
+          <p:nvPr/>
+        </p:nvSpPr>
+        <p:spPr>
+          <a:xfrm>
+            <a:off x="4044888" y="1191408"/>
+            <a:ext cx="4232737" cy="3295234"/>
+          </a:xfrm>
+          <a:custGeom>
+            <a:avLst/>
+            <a:gdLst/>
+            <a:ahLst/>
+            <a:cxnLst/>
+            <a:rect l="l" t="t" r="r" b="b"/>
+            <a:pathLst>
+              <a:path w="143434" h="111665" extrusionOk="0">
+                <a:moveTo>
+                  <a:pt x="71751" y="2308"/>
+                </a:moveTo>
+                <a:lnTo>
+                  <a:pt x="71887" y="2376"/>
+                </a:lnTo>
+                <a:lnTo>
+                  <a:pt x="72091" y="2444"/>
+                </a:lnTo>
+                <a:lnTo>
+                  <a:pt x="72159" y="2647"/>
+                </a:lnTo>
+                <a:lnTo>
+                  <a:pt x="72226" y="2783"/>
+                </a:lnTo>
+                <a:lnTo>
+                  <a:pt x="72159" y="2987"/>
+                </a:lnTo>
+                <a:lnTo>
+                  <a:pt x="72091" y="3190"/>
+                </a:lnTo>
+                <a:lnTo>
+                  <a:pt x="71887" y="3258"/>
+                </a:lnTo>
+                <a:lnTo>
+                  <a:pt x="71751" y="3326"/>
+                </a:lnTo>
+                <a:lnTo>
+                  <a:pt x="71548" y="3258"/>
+                </a:lnTo>
+                <a:lnTo>
+                  <a:pt x="71344" y="3190"/>
+                </a:lnTo>
+                <a:lnTo>
+                  <a:pt x="71276" y="2987"/>
+                </a:lnTo>
+                <a:lnTo>
+                  <a:pt x="71208" y="2783"/>
+                </a:lnTo>
+                <a:lnTo>
+                  <a:pt x="71276" y="2647"/>
+                </a:lnTo>
+                <a:lnTo>
+                  <a:pt x="71344" y="2444"/>
+                </a:lnTo>
+                <a:lnTo>
+                  <a:pt x="71548" y="2376"/>
+                </a:lnTo>
+                <a:lnTo>
+                  <a:pt x="71751" y="2308"/>
+                </a:lnTo>
+                <a:close/>
+                <a:moveTo>
+                  <a:pt x="137528" y="5906"/>
+                </a:moveTo>
+                <a:lnTo>
+                  <a:pt x="137596" y="5974"/>
+                </a:lnTo>
+                <a:lnTo>
+                  <a:pt x="137596" y="89604"/>
+                </a:lnTo>
+                <a:lnTo>
+                  <a:pt x="5906" y="89604"/>
+                </a:lnTo>
+                <a:lnTo>
+                  <a:pt x="5906" y="5974"/>
+                </a:lnTo>
+                <a:lnTo>
+                  <a:pt x="5906" y="5906"/>
+                </a:lnTo>
+                <a:close/>
+                <a:moveTo>
+                  <a:pt x="3530" y="0"/>
+                </a:moveTo>
+                <a:lnTo>
+                  <a:pt x="3191" y="68"/>
+                </a:lnTo>
+                <a:lnTo>
+                  <a:pt x="2444" y="339"/>
+                </a:lnTo>
+                <a:lnTo>
+                  <a:pt x="1766" y="679"/>
+                </a:lnTo>
+                <a:lnTo>
+                  <a:pt x="1155" y="1154"/>
+                </a:lnTo>
+                <a:lnTo>
+                  <a:pt x="679" y="1765"/>
+                </a:lnTo>
+                <a:lnTo>
+                  <a:pt x="272" y="2444"/>
+                </a:lnTo>
+                <a:lnTo>
+                  <a:pt x="69" y="3190"/>
+                </a:lnTo>
+                <a:lnTo>
+                  <a:pt x="1" y="3598"/>
+                </a:lnTo>
+                <a:lnTo>
+                  <a:pt x="1" y="4005"/>
+                </a:lnTo>
+                <a:lnTo>
+                  <a:pt x="1" y="91572"/>
+                </a:lnTo>
+                <a:lnTo>
+                  <a:pt x="1" y="91979"/>
+                </a:lnTo>
+                <a:lnTo>
+                  <a:pt x="69" y="92319"/>
+                </a:lnTo>
+                <a:lnTo>
+                  <a:pt x="272" y="93065"/>
+                </a:lnTo>
+                <a:lnTo>
+                  <a:pt x="679" y="93744"/>
+                </a:lnTo>
+                <a:lnTo>
+                  <a:pt x="1155" y="94355"/>
+                </a:lnTo>
+                <a:lnTo>
+                  <a:pt x="1766" y="94830"/>
+                </a:lnTo>
+                <a:lnTo>
+                  <a:pt x="2444" y="95238"/>
+                </a:lnTo>
+                <a:lnTo>
+                  <a:pt x="3191" y="95441"/>
+                </a:lnTo>
+                <a:lnTo>
+                  <a:pt x="3530" y="95509"/>
+                </a:lnTo>
+                <a:lnTo>
+                  <a:pt x="139904" y="95509"/>
+                </a:lnTo>
+                <a:lnTo>
+                  <a:pt x="140311" y="95441"/>
+                </a:lnTo>
+                <a:lnTo>
+                  <a:pt x="141058" y="95238"/>
+                </a:lnTo>
+                <a:lnTo>
+                  <a:pt x="141737" y="94830"/>
+                </a:lnTo>
+                <a:lnTo>
+                  <a:pt x="142280" y="94355"/>
+                </a:lnTo>
+                <a:lnTo>
+                  <a:pt x="142755" y="93744"/>
+                </a:lnTo>
+                <a:lnTo>
+                  <a:pt x="143162" y="93065"/>
+                </a:lnTo>
+                <a:lnTo>
+                  <a:pt x="143366" y="92319"/>
+                </a:lnTo>
+                <a:lnTo>
+                  <a:pt x="143434" y="91979"/>
+                </a:lnTo>
+                <a:lnTo>
+                  <a:pt x="143434" y="91572"/>
+                </a:lnTo>
+                <a:lnTo>
+                  <a:pt x="143434" y="4005"/>
+                </a:lnTo>
+                <a:lnTo>
+                  <a:pt x="143434" y="3598"/>
+                </a:lnTo>
+                <a:lnTo>
+                  <a:pt x="143366" y="3190"/>
+                </a:lnTo>
+                <a:lnTo>
+                  <a:pt x="143162" y="2444"/>
+                </a:lnTo>
+                <a:lnTo>
+                  <a:pt x="142755" y="1765"/>
+                </a:lnTo>
+                <a:lnTo>
+                  <a:pt x="142280" y="1154"/>
+                </a:lnTo>
+                <a:lnTo>
+                  <a:pt x="141737" y="679"/>
+                </a:lnTo>
+                <a:lnTo>
+                  <a:pt x="141058" y="339"/>
+                </a:lnTo>
+                <a:lnTo>
+                  <a:pt x="140311" y="68"/>
+                </a:lnTo>
+                <a:lnTo>
+                  <a:pt x="139904" y="0"/>
+                </a:lnTo>
+                <a:close/>
+                <a:moveTo>
+                  <a:pt x="55324" y="95713"/>
+                </a:moveTo>
+                <a:lnTo>
+                  <a:pt x="55052" y="98971"/>
+                </a:lnTo>
+                <a:lnTo>
+                  <a:pt x="54713" y="102297"/>
+                </a:lnTo>
+                <a:lnTo>
+                  <a:pt x="54374" y="105284"/>
+                </a:lnTo>
+                <a:lnTo>
+                  <a:pt x="53966" y="107388"/>
+                </a:lnTo>
+                <a:lnTo>
+                  <a:pt x="53763" y="108203"/>
+                </a:lnTo>
+                <a:lnTo>
+                  <a:pt x="53627" y="108746"/>
+                </a:lnTo>
+                <a:lnTo>
+                  <a:pt x="53423" y="109153"/>
+                </a:lnTo>
+                <a:lnTo>
+                  <a:pt x="53220" y="109357"/>
+                </a:lnTo>
+                <a:lnTo>
+                  <a:pt x="52677" y="109493"/>
+                </a:lnTo>
+                <a:lnTo>
+                  <a:pt x="51794" y="109696"/>
+                </a:lnTo>
+                <a:lnTo>
+                  <a:pt x="49690" y="110036"/>
+                </a:lnTo>
+                <a:lnTo>
+                  <a:pt x="48061" y="110307"/>
+                </a:lnTo>
+                <a:lnTo>
+                  <a:pt x="47450" y="110443"/>
+                </a:lnTo>
+                <a:lnTo>
+                  <a:pt x="47110" y="110511"/>
+                </a:lnTo>
+                <a:lnTo>
+                  <a:pt x="47042" y="110579"/>
+                </a:lnTo>
+                <a:lnTo>
+                  <a:pt x="47042" y="110783"/>
+                </a:lnTo>
+                <a:lnTo>
+                  <a:pt x="47110" y="110850"/>
+                </a:lnTo>
+                <a:lnTo>
+                  <a:pt x="47585" y="110918"/>
+                </a:lnTo>
+                <a:lnTo>
+                  <a:pt x="48400" y="110986"/>
+                </a:lnTo>
+                <a:lnTo>
+                  <a:pt x="51387" y="111054"/>
+                </a:lnTo>
+                <a:lnTo>
+                  <a:pt x="56071" y="111122"/>
+                </a:lnTo>
+                <a:lnTo>
+                  <a:pt x="87092" y="111122"/>
+                </a:lnTo>
+                <a:lnTo>
+                  <a:pt x="91708" y="111054"/>
+                </a:lnTo>
+                <a:lnTo>
+                  <a:pt x="94695" y="110986"/>
+                </a:lnTo>
+                <a:lnTo>
+                  <a:pt x="95578" y="110918"/>
+                </a:lnTo>
+                <a:lnTo>
+                  <a:pt x="96053" y="110850"/>
+                </a:lnTo>
+                <a:lnTo>
+                  <a:pt x="96121" y="110783"/>
+                </a:lnTo>
+                <a:lnTo>
+                  <a:pt x="96121" y="110579"/>
+                </a:lnTo>
+                <a:lnTo>
+                  <a:pt x="96053" y="110511"/>
+                </a:lnTo>
+                <a:lnTo>
+                  <a:pt x="95713" y="110443"/>
+                </a:lnTo>
+                <a:lnTo>
+                  <a:pt x="95102" y="110307"/>
+                </a:lnTo>
+                <a:lnTo>
+                  <a:pt x="93473" y="110036"/>
+                </a:lnTo>
+                <a:lnTo>
+                  <a:pt x="91369" y="109696"/>
+                </a:lnTo>
+                <a:lnTo>
+                  <a:pt x="90487" y="109493"/>
+                </a:lnTo>
+                <a:lnTo>
+                  <a:pt x="89943" y="109357"/>
+                </a:lnTo>
+                <a:lnTo>
+                  <a:pt x="89740" y="109153"/>
+                </a:lnTo>
+                <a:lnTo>
+                  <a:pt x="89536" y="108746"/>
+                </a:lnTo>
+                <a:lnTo>
+                  <a:pt x="89333" y="108203"/>
+                </a:lnTo>
+                <a:lnTo>
+                  <a:pt x="89197" y="107388"/>
+                </a:lnTo>
+                <a:lnTo>
+                  <a:pt x="88789" y="105284"/>
+                </a:lnTo>
+                <a:lnTo>
+                  <a:pt x="88382" y="102297"/>
+                </a:lnTo>
+                <a:lnTo>
+                  <a:pt x="88043" y="98971"/>
+                </a:lnTo>
+                <a:lnTo>
+                  <a:pt x="87839" y="95713"/>
+                </a:lnTo>
+                <a:close/>
+                <a:moveTo>
+                  <a:pt x="47450" y="111054"/>
+                </a:moveTo>
+                <a:lnTo>
+                  <a:pt x="47450" y="111122"/>
+                </a:lnTo>
+                <a:lnTo>
+                  <a:pt x="47450" y="111393"/>
+                </a:lnTo>
+                <a:lnTo>
+                  <a:pt x="47518" y="111461"/>
+                </a:lnTo>
+                <a:lnTo>
+                  <a:pt x="48807" y="111529"/>
+                </a:lnTo>
+                <a:lnTo>
+                  <a:pt x="52473" y="111597"/>
+                </a:lnTo>
+                <a:lnTo>
+                  <a:pt x="62384" y="111665"/>
+                </a:lnTo>
+                <a:lnTo>
+                  <a:pt x="80779" y="111665"/>
+                </a:lnTo>
+                <a:lnTo>
+                  <a:pt x="90622" y="111597"/>
+                </a:lnTo>
+                <a:lnTo>
+                  <a:pt x="94356" y="111529"/>
+                </a:lnTo>
+                <a:lnTo>
+                  <a:pt x="95646" y="111461"/>
+                </a:lnTo>
+                <a:lnTo>
+                  <a:pt x="95713" y="111393"/>
+                </a:lnTo>
+                <a:lnTo>
+                  <a:pt x="95713" y="111122"/>
+                </a:lnTo>
+                <a:lnTo>
+                  <a:pt x="95646" y="111054"/>
+                </a:lnTo>
+                <a:lnTo>
+                  <a:pt x="94084" y="111122"/>
+                </a:lnTo>
+                <a:lnTo>
+                  <a:pt x="91233" y="111190"/>
+                </a:lnTo>
+                <a:lnTo>
+                  <a:pt x="80847" y="111258"/>
+                </a:lnTo>
+                <a:lnTo>
+                  <a:pt x="62316" y="111258"/>
+                </a:lnTo>
+                <a:lnTo>
+                  <a:pt x="51930" y="111190"/>
+                </a:lnTo>
+                <a:lnTo>
+                  <a:pt x="49079" y="111122"/>
+                </a:lnTo>
+                <a:lnTo>
+                  <a:pt x="47518" y="111054"/>
+                </a:lnTo>
+                <a:close/>
+              </a:path>
+            </a:pathLst>
+          </a:custGeom>
+          <a:noFill/>
+          <a:ln w="9525" cap="flat" cmpd="sng">
+            <a:solidFill>
+              <a:srgbClr val="0B5394"/>
+            </a:solidFill>
+            <a:prstDash val="solid"/>
+            <a:round/>
+            <a:headEnd type="none" w="sm" len="sm"/>
+            <a:tailEnd type="none" w="sm" len="sm"/>
+          </a:ln>
+        </p:spPr>
+        <p:txBody>
+          <a:bodyPr spcFirstLastPara="1" wrap="square" lIns="91425" tIns="91425" rIns="91425" bIns="91425" anchor="ctr" anchorCtr="0">
+            <a:noAutofit/>
+          </a:bodyPr>
+          <a:lstStyle/>
+          <a:p>
+            <a:pPr marL="0" lvl="0" indent="0" algn="l" rtl="0">
+              <a:spcBef>
+                <a:spcPts val="0"/>
+              </a:spcBef>
+              <a:spcAft>
+                <a:spcPts val="0"/>
+              </a:spcAft>
+              <a:buNone/>
+            </a:pPr>
+            <a:endParaRPr/>
+          </a:p>
+        </p:txBody>
+      </p:sp>
+      <p:sp>
+        <p:nvSpPr>
+          <p:cNvPr id="5" name="Google Shape;255;p38">
+            <a:extLst>
+              <a:ext uri="{FF2B5EF4-FFF2-40B4-BE49-F238E27FC236}">
+                <a16:creationId xmlns:a16="http://schemas.microsoft.com/office/drawing/2014/main" id="{CDD8BBF9-2365-47B9-9B0C-596CCBCCE118}"/>
+              </a:ext>
+            </a:extLst>
+          </p:cNvPr>
+          <p:cNvSpPr txBox="1">
+            <a:spLocks/>
+          </p:cNvSpPr>
+          <p:nvPr/>
+        </p:nvSpPr>
+        <p:spPr>
+          <a:xfrm>
+            <a:off x="866375" y="2206443"/>
+            <a:ext cx="2501700" cy="2388899"/>
+          </a:xfrm>
+          <a:prstGeom prst="rect">
+            <a:avLst/>
+          </a:prstGeom>
+          <a:noFill/>
+          <a:ln>
+            <a:noFill/>
+          </a:ln>
+        </p:spPr>
+        <p:txBody>
+          <a:bodyPr spcFirstLastPara="1" wrap="square" lIns="91425" tIns="91425" rIns="91425" bIns="91425" anchor="t" anchorCtr="0">
+            <a:noAutofit/>
+          </a:bodyPr>
+          <a:lstStyle>
+            <a:defPPr marR="0" lvl="0" algn="l" rtl="0">
+              <a:lnSpc>
+                <a:spcPct val="100000"/>
+              </a:lnSpc>
+              <a:spcBef>
+                <a:spcPts val="0"/>
+              </a:spcBef>
+              <a:spcAft>
+                <a:spcPts val="0"/>
+              </a:spcAft>
+            </a:defPPr>
+            <a:lvl1pPr marL="457200" marR="0" lvl="0" indent="-317500" algn="l" rtl="0">
+              <a:lnSpc>
+                <a:spcPct val="106000"/>
+              </a:lnSpc>
+              <a:spcBef>
+                <a:spcPts val="0"/>
+              </a:spcBef>
+              <a:spcAft>
+                <a:spcPts val="0"/>
+              </a:spcAft>
+              <a:buClr>
+                <a:srgbClr val="0B5394"/>
+              </a:buClr>
+              <a:buSzPts val="1400"/>
+              <a:buFont typeface="Pangolin"/>
+              <a:buChar char="✗"/>
+              <a:defRPr sz="1800" b="0" i="0" u="none" strike="noStrike" cap="none">
+                <a:solidFill>
+                  <a:srgbClr val="0B5394"/>
+                </a:solidFill>
+                <a:latin typeface="Pangolin"/>
+                <a:ea typeface="Pangolin"/>
+                <a:cs typeface="Pangolin"/>
+                <a:sym typeface="Pangolin"/>
+              </a:defRPr>
+            </a:lvl1pPr>
+            <a:lvl2pPr marL="914400" marR="0" lvl="1" indent="-317500" algn="l" rtl="0">
+              <a:lnSpc>
+                <a:spcPct val="106000"/>
+              </a:lnSpc>
+              <a:spcBef>
+                <a:spcPts val="0"/>
+              </a:spcBef>
+              <a:spcAft>
+                <a:spcPts val="0"/>
+              </a:spcAft>
+              <a:buClr>
+                <a:srgbClr val="0B5394"/>
+              </a:buClr>
+              <a:buSzPts val="1400"/>
+              <a:buFont typeface="Pangolin"/>
+              <a:buChar char="✗"/>
+              <a:defRPr sz="1800" b="0" i="0" u="none" strike="noStrike" cap="none">
+                <a:solidFill>
+                  <a:srgbClr val="0B5394"/>
+                </a:solidFill>
+                <a:latin typeface="Pangolin"/>
+                <a:ea typeface="Pangolin"/>
+                <a:cs typeface="Pangolin"/>
+                <a:sym typeface="Pangolin"/>
+              </a:defRPr>
+            </a:lvl2pPr>
+            <a:lvl3pPr marL="1371600" marR="0" lvl="2" indent="-317500" algn="l" rtl="0">
+              <a:lnSpc>
+                <a:spcPct val="106000"/>
+              </a:lnSpc>
+              <a:spcBef>
+                <a:spcPts val="0"/>
+              </a:spcBef>
+              <a:spcAft>
+                <a:spcPts val="0"/>
+              </a:spcAft>
+              <a:buClr>
+                <a:srgbClr val="0B5394"/>
+              </a:buClr>
+              <a:buSzPts val="1400"/>
+              <a:buFont typeface="Pangolin"/>
+              <a:buChar char="✗"/>
+              <a:defRPr sz="1800" b="0" i="0" u="none" strike="noStrike" cap="none">
+                <a:solidFill>
+                  <a:srgbClr val="0B5394"/>
+                </a:solidFill>
+                <a:latin typeface="Pangolin"/>
+                <a:ea typeface="Pangolin"/>
+                <a:cs typeface="Pangolin"/>
+                <a:sym typeface="Pangolin"/>
+              </a:defRPr>
+            </a:lvl3pPr>
+            <a:lvl4pPr marL="1828800" marR="0" lvl="3" indent="-317500" algn="l" rtl="0">
+              <a:lnSpc>
+                <a:spcPct val="106000"/>
+              </a:lnSpc>
+              <a:spcBef>
+                <a:spcPts val="0"/>
+              </a:spcBef>
+              <a:spcAft>
+                <a:spcPts val="0"/>
+              </a:spcAft>
+              <a:buClr>
+                <a:srgbClr val="0B5394"/>
+              </a:buClr>
+              <a:buSzPts val="1400"/>
+              <a:buFont typeface="Pangolin"/>
+              <a:buChar char="✗"/>
+              <a:defRPr sz="1800" b="0" i="0" u="none" strike="noStrike" cap="none">
+                <a:solidFill>
+                  <a:srgbClr val="0B5394"/>
+                </a:solidFill>
+                <a:latin typeface="Pangolin"/>
+                <a:ea typeface="Pangolin"/>
+                <a:cs typeface="Pangolin"/>
+                <a:sym typeface="Pangolin"/>
+              </a:defRPr>
+            </a:lvl4pPr>
+            <a:lvl5pPr marL="2286000" marR="0" lvl="4" indent="-342900" algn="l" rtl="0">
+              <a:lnSpc>
+                <a:spcPct val="106000"/>
+              </a:lnSpc>
+              <a:spcBef>
+                <a:spcPts val="0"/>
+              </a:spcBef>
+              <a:spcAft>
+                <a:spcPts val="0"/>
+              </a:spcAft>
+              <a:buClr>
+                <a:srgbClr val="0B5394"/>
+              </a:buClr>
+              <a:buSzPts val="1800"/>
+              <a:buFont typeface="Pangolin"/>
+              <a:buChar char="✗"/>
+              <a:defRPr sz="1800" b="0" i="0" u="none" strike="noStrike" cap="none">
+                <a:solidFill>
+                  <a:srgbClr val="0B5394"/>
+                </a:solidFill>
+                <a:latin typeface="Pangolin"/>
+                <a:ea typeface="Pangolin"/>
+                <a:cs typeface="Pangolin"/>
+                <a:sym typeface="Pangolin"/>
+              </a:defRPr>
+            </a:lvl5pPr>
+            <a:lvl6pPr marL="2743200" marR="0" lvl="5" indent="-342900" algn="l" rtl="0">
+              <a:lnSpc>
+                <a:spcPct val="106000"/>
+              </a:lnSpc>
+              <a:spcBef>
+                <a:spcPts val="0"/>
+              </a:spcBef>
+              <a:spcAft>
+                <a:spcPts val="0"/>
+              </a:spcAft>
+              <a:buClr>
+                <a:srgbClr val="0B5394"/>
+              </a:buClr>
+              <a:buSzPts val="1800"/>
+              <a:buFont typeface="Pangolin"/>
+              <a:buChar char="✗"/>
+              <a:defRPr sz="1800" b="0" i="0" u="none" strike="noStrike" cap="none">
+                <a:solidFill>
+                  <a:srgbClr val="0B5394"/>
+                </a:solidFill>
+                <a:latin typeface="Pangolin"/>
+                <a:ea typeface="Pangolin"/>
+                <a:cs typeface="Pangolin"/>
+                <a:sym typeface="Pangolin"/>
+              </a:defRPr>
+            </a:lvl6pPr>
+            <a:lvl7pPr marL="3200400" marR="0" lvl="6" indent="-342900" algn="l" rtl="0">
+              <a:lnSpc>
+                <a:spcPct val="106000"/>
+              </a:lnSpc>
+              <a:spcBef>
+                <a:spcPts val="0"/>
+              </a:spcBef>
+              <a:spcAft>
+                <a:spcPts val="0"/>
+              </a:spcAft>
+              <a:buClr>
+                <a:srgbClr val="0B5394"/>
+              </a:buClr>
+              <a:buSzPts val="1800"/>
+              <a:buFont typeface="Pangolin"/>
+              <a:buChar char="✗"/>
+              <a:defRPr sz="1800" b="0" i="0" u="none" strike="noStrike" cap="none">
+                <a:solidFill>
+                  <a:srgbClr val="0B5394"/>
+                </a:solidFill>
+                <a:latin typeface="Pangolin"/>
+                <a:ea typeface="Pangolin"/>
+                <a:cs typeface="Pangolin"/>
+                <a:sym typeface="Pangolin"/>
+              </a:defRPr>
+            </a:lvl7pPr>
+            <a:lvl8pPr marL="3657600" marR="0" lvl="7" indent="-342900" algn="l" rtl="0">
+              <a:lnSpc>
+                <a:spcPct val="106000"/>
+              </a:lnSpc>
+              <a:spcBef>
+                <a:spcPts val="0"/>
+              </a:spcBef>
+              <a:spcAft>
+                <a:spcPts val="0"/>
+              </a:spcAft>
+              <a:buClr>
+                <a:srgbClr val="0B5394"/>
+              </a:buClr>
+              <a:buSzPts val="1800"/>
+              <a:buFont typeface="Pangolin"/>
+              <a:buChar char="✗"/>
+              <a:defRPr sz="1800" b="0" i="0" u="none" strike="noStrike" cap="none">
+                <a:solidFill>
+                  <a:srgbClr val="0B5394"/>
+                </a:solidFill>
+                <a:latin typeface="Pangolin"/>
+                <a:ea typeface="Pangolin"/>
+                <a:cs typeface="Pangolin"/>
+                <a:sym typeface="Pangolin"/>
+              </a:defRPr>
+            </a:lvl8pPr>
+            <a:lvl9pPr marL="4114800" marR="0" lvl="8" indent="-342900" algn="l" rtl="0">
+              <a:lnSpc>
+                <a:spcPct val="106000"/>
+              </a:lnSpc>
+              <a:spcBef>
+                <a:spcPts val="0"/>
+              </a:spcBef>
+              <a:spcAft>
+                <a:spcPts val="0"/>
+              </a:spcAft>
+              <a:buClr>
+                <a:srgbClr val="0B5394"/>
+              </a:buClr>
+              <a:buSzPts val="1800"/>
+              <a:buFont typeface="Pangolin"/>
+              <a:buChar char="✗"/>
+              <a:defRPr sz="1800" b="0" i="0" u="none" strike="noStrike" cap="none">
+                <a:solidFill>
+                  <a:srgbClr val="0B5394"/>
+                </a:solidFill>
+                <a:latin typeface="Pangolin"/>
+                <a:ea typeface="Pangolin"/>
+                <a:cs typeface="Pangolin"/>
+                <a:sym typeface="Pangolin"/>
+              </a:defRPr>
+            </a:lvl9pPr>
+          </a:lstStyle>
+          <a:p>
+            <a:pPr marL="0" indent="0">
+              <a:buFont typeface="Pangolin"/>
+              <a:buNone/>
+            </a:pPr>
+            <a:r>
+              <a:rPr lang="es-ES" sz="2000" dirty="0"/>
+              <a:t>•</a:t>
+            </a:r>
+            <a:r>
+              <a:rPr lang="es-ES" dirty="0"/>
+              <a:t>Para acceder a los Symbols se usa </a:t>
+            </a:r>
+            <a:r>
+              <a:rPr lang="es-ES" dirty="0" err="1">
+                <a:solidFill>
+                  <a:srgbClr val="F56CF8"/>
+                </a:solidFill>
+              </a:rPr>
+              <a:t>Object</a:t>
+            </a:r>
+            <a:r>
+              <a:rPr lang="es-ES" dirty="0" err="1"/>
+              <a:t>.</a:t>
+            </a:r>
+            <a:r>
+              <a:rPr lang="es-ES" dirty="0" err="1">
+                <a:solidFill>
+                  <a:srgbClr val="339D03"/>
+                </a:solidFill>
+              </a:rPr>
+              <a:t>getOwnPropertySymbols</a:t>
+            </a:r>
+            <a:r>
+              <a:rPr lang="es-ES" dirty="0">
+                <a:solidFill>
+                  <a:srgbClr val="339D03"/>
+                </a:solidFill>
+              </a:rPr>
+              <a:t>() </a:t>
+            </a:r>
+            <a:r>
+              <a:rPr lang="es-ES" dirty="0">
+                <a:solidFill>
+                  <a:schemeClr val="bg2"/>
+                </a:solidFill>
+              </a:rPr>
+              <a:t>//</a:t>
+            </a:r>
+            <a:r>
+              <a:rPr lang="es-ES" dirty="0">
+                <a:solidFill>
+                  <a:schemeClr val="bg2"/>
+                </a:solidFill>
+                <a:sym typeface="Wingdings" panose="05000000000000000000" pitchFamily="2" charset="2"/>
+              </a:rPr>
+              <a:t> Se añade una capa oculta a los </a:t>
+            </a:r>
+            <a:r>
+              <a:rPr lang="es-ES" dirty="0" err="1">
+                <a:solidFill>
+                  <a:schemeClr val="bg2"/>
+                </a:solidFill>
+                <a:sym typeface="Wingdings" panose="05000000000000000000" pitchFamily="2" charset="2"/>
+              </a:rPr>
+              <a:t>Objectos</a:t>
+            </a:r>
+            <a:endParaRPr lang="es-ES" dirty="0">
+              <a:solidFill>
+                <a:schemeClr val="bg2"/>
+              </a:solidFill>
+            </a:endParaRPr>
+          </a:p>
+        </p:txBody>
+      </p:sp>
+      <p:pic>
+        <p:nvPicPr>
+          <p:cNvPr id="7" name="Imagen 6">
+            <a:extLst>
+              <a:ext uri="{FF2B5EF4-FFF2-40B4-BE49-F238E27FC236}">
+                <a16:creationId xmlns:a16="http://schemas.microsoft.com/office/drawing/2014/main" id="{4F344259-CCA8-45B6-ACD9-CECF65866F36}"/>
+              </a:ext>
+            </a:extLst>
+          </p:cNvPr>
+          <p:cNvPicPr>
+            <a:picLocks noChangeAspect="1"/>
+          </p:cNvPicPr>
+          <p:nvPr/>
+        </p:nvPicPr>
+        <p:blipFill>
+          <a:blip r:embed="rId2"/>
+          <a:stretch>
+            <a:fillRect/>
+          </a:stretch>
+        </p:blipFill>
+        <p:spPr>
+          <a:xfrm>
+            <a:off x="4231757" y="1366004"/>
+            <a:ext cx="3870251" cy="2472349"/>
+          </a:xfrm>
+          <a:prstGeom prst="rect">
+            <a:avLst/>
+          </a:prstGeom>
+        </p:spPr>
+      </p:pic>
     </p:spTree>
     <p:extLst>
       <p:ext uri="{BB962C8B-B14F-4D97-AF65-F5344CB8AC3E}">
-        <p14:creationId xmlns:p14="http://schemas.microsoft.com/office/powerpoint/2010/main" val="61450229"/>
+        <p14:creationId xmlns:p14="http://schemas.microsoft.com/office/powerpoint/2010/main" val="2352879442"/>
       </p:ext>
     </p:extLst>
   </p:cSld>
@@ -12940,7 +15009,7 @@
         </p:nvSpPr>
         <p:spPr>
           <a:xfrm>
-            <a:off x="3323865" y="1331673"/>
+            <a:off x="3254853" y="1331673"/>
             <a:ext cx="2687875" cy="3152700"/>
           </a:xfrm>
           <a:prstGeom prst="rect">
@@ -13058,7 +15127,7 @@
         </p:nvSpPr>
         <p:spPr>
           <a:xfrm>
-            <a:off x="6153494" y="1331673"/>
+            <a:off x="6084482" y="1331673"/>
             <a:ext cx="2687875" cy="3152700"/>
           </a:xfrm>
           <a:prstGeom prst="rect">
@@ -13084,7 +15153,99 @@
               <a:rPr lang="es-ES" sz="2000" b="1" dirty="0"/>
               <a:t>3. Usos de los Symbol</a:t>
             </a:r>
-            <a:endParaRPr sz="2000" dirty="0"/>
+          </a:p>
+          <a:p>
+            <a:pPr marL="0" lvl="0" indent="0" algn="l" rtl="0">
+              <a:spcBef>
+                <a:spcPts val="0"/>
+              </a:spcBef>
+              <a:spcAft>
+                <a:spcPts val="0"/>
+              </a:spcAft>
+              <a:buNone/>
+            </a:pPr>
+            <a:endParaRPr lang="es-ES" sz="2000" b="1" dirty="0"/>
+          </a:p>
+          <a:p>
+            <a:pPr marL="0" lvl="0" indent="0">
+              <a:buNone/>
+            </a:pPr>
+            <a:r>
+              <a:rPr lang="en-US" sz="2000" dirty="0"/>
+              <a:t>•</a:t>
+            </a:r>
+            <a:r>
+              <a:rPr lang="en-US" sz="2000" dirty="0" err="1"/>
+              <a:t>Valores</a:t>
+            </a:r>
+            <a:r>
+              <a:rPr lang="en-US" sz="2000" dirty="0"/>
+              <a:t> </a:t>
+            </a:r>
+            <a:r>
+              <a:rPr lang="en-US" sz="2000" dirty="0" err="1"/>
+              <a:t>únicos</a:t>
+            </a:r>
+            <a:r>
+              <a:rPr lang="en-US" sz="2000" dirty="0"/>
+              <a:t> </a:t>
+            </a:r>
+            <a:r>
+              <a:rPr lang="en-US" sz="2000" dirty="0" err="1"/>
+              <a:t>en</a:t>
+            </a:r>
+            <a:r>
+              <a:rPr lang="en-US" sz="2000" dirty="0"/>
+              <a:t> </a:t>
+            </a:r>
+            <a:r>
+              <a:rPr lang="en-US" sz="2000" dirty="0" err="1"/>
+              <a:t>vez</a:t>
+            </a:r>
+            <a:r>
+              <a:rPr lang="en-US" sz="2000" dirty="0"/>
+              <a:t> de </a:t>
+            </a:r>
+            <a:r>
+              <a:rPr lang="en-US" sz="2000" i="1" dirty="0"/>
+              <a:t>Strings </a:t>
+            </a:r>
+            <a:r>
+              <a:rPr lang="en-US" sz="2000" dirty="0"/>
+              <a:t>o </a:t>
+            </a:r>
+            <a:r>
+              <a:rPr lang="en-US" sz="2000" i="1" dirty="0"/>
+              <a:t>Integers</a:t>
+            </a:r>
+          </a:p>
+          <a:p>
+            <a:pPr marL="0" lvl="0" indent="0">
+              <a:buNone/>
+            </a:pPr>
+            <a:endParaRPr lang="en-US" sz="2000" b="1" i="1" dirty="0"/>
+          </a:p>
+          <a:p>
+            <a:pPr marL="0" lvl="0" indent="0">
+              <a:buNone/>
+            </a:pPr>
+            <a:r>
+              <a:rPr lang="en-US" sz="2000" dirty="0"/>
+              <a:t>•</a:t>
+            </a:r>
+            <a:r>
+              <a:rPr lang="en-US" sz="2000" dirty="0" err="1"/>
+              <a:t>Guardar</a:t>
+            </a:r>
+            <a:r>
+              <a:rPr lang="en-US" sz="2000" dirty="0"/>
+              <a:t> metadata de </a:t>
+            </a:r>
+            <a:r>
+              <a:rPr lang="en-US" sz="2000" dirty="0" err="1"/>
+              <a:t>Objetos</a:t>
+            </a:r>
+            <a:endParaRPr lang="es-ES" sz="2000" b="1" dirty="0"/>
           </a:p>
         </p:txBody>
       </p:sp>
@@ -13139,6 +15300,305 @@
 </file>
 
 <file path=ppt/slides/slide20.xml><?xml version="1.0" encoding="utf-8"?>
+<p:sld xmlns:a="http://schemas.openxmlformats.org/drawingml/2006/main" xmlns:r="http://schemas.openxmlformats.org/officeDocument/2006/relationships" xmlns:p="http://schemas.openxmlformats.org/presentationml/2006/main">
+  <p:cSld>
+    <p:spTree>
+      <p:nvGrpSpPr>
+        <p:cNvPr id="1" name="Shape 260"/>
+        <p:cNvGrpSpPr/>
+        <p:nvPr/>
+      </p:nvGrpSpPr>
+      <p:grpSpPr>
+        <a:xfrm>
+          <a:off x="0" y="0"/>
+          <a:ext cx="0" cy="0"/>
+          <a:chOff x="0" y="0"/>
+          <a:chExt cx="0" cy="0"/>
+        </a:xfrm>
+      </p:grpSpPr>
+      <p:sp>
+        <p:nvSpPr>
+          <p:cNvPr id="261" name="Google Shape;261;p39"/>
+          <p:cNvSpPr txBox="1">
+            <a:spLocks noGrp="1"/>
+          </p:cNvSpPr>
+          <p:nvPr>
+            <p:ph type="sldNum" idx="12"/>
+          </p:nvPr>
+        </p:nvSpPr>
+        <p:spPr>
+          <a:xfrm>
+            <a:off x="8716025" y="4676375"/>
+            <a:ext cx="428100" cy="467100"/>
+          </a:xfrm>
+          <a:prstGeom prst="rect">
+            <a:avLst/>
+          </a:prstGeom>
+        </p:spPr>
+        <p:txBody>
+          <a:bodyPr spcFirstLastPara="1" wrap="square" lIns="91425" tIns="91425" rIns="91425" bIns="91425" anchor="ctr" anchorCtr="0">
+            <a:noAutofit/>
+          </a:bodyPr>
+          <a:lstStyle/>
+          <a:p>
+            <a:pPr marL="0" lvl="0" indent="0" algn="ctr" rtl="0">
+              <a:spcBef>
+                <a:spcPts val="0"/>
+              </a:spcBef>
+              <a:spcAft>
+                <a:spcPts val="0"/>
+              </a:spcAft>
+              <a:buNone/>
+            </a:pPr>
+            <a:fld id="{00000000-1234-1234-1234-123412341234}" type="slidenum">
+              <a:rPr lang="en"/>
+              <a:t>20</a:t>
+            </a:fld>
+            <a:endParaRPr/>
+          </a:p>
+        </p:txBody>
+      </p:sp>
+      <p:sp>
+        <p:nvSpPr>
+          <p:cNvPr id="263" name="Google Shape;263;p39"/>
+          <p:cNvSpPr txBox="1">
+            <a:spLocks noGrp="1"/>
+          </p:cNvSpPr>
+          <p:nvPr>
+            <p:ph type="body" idx="4294967295"/>
+          </p:nvPr>
+        </p:nvSpPr>
+        <p:spPr>
+          <a:xfrm>
+            <a:off x="866375" y="1955748"/>
+            <a:ext cx="3966600" cy="2106300"/>
+          </a:xfrm>
+          <a:prstGeom prst="rect">
+            <a:avLst/>
+          </a:prstGeom>
+        </p:spPr>
+        <p:txBody>
+          <a:bodyPr spcFirstLastPara="1" wrap="square" lIns="91425" tIns="91425" rIns="91425" bIns="91425" anchor="t" anchorCtr="0">
+            <a:noAutofit/>
+          </a:bodyPr>
+          <a:lstStyle/>
+          <a:p>
+            <a:pPr marL="0" lvl="0" indent="0" algn="l" rtl="0">
+              <a:spcBef>
+                <a:spcPts val="0"/>
+              </a:spcBef>
+              <a:spcAft>
+                <a:spcPts val="0"/>
+              </a:spcAft>
+              <a:buNone/>
+            </a:pPr>
+            <a:r>
+              <a:rPr lang="en" sz="3600" dirty="0"/>
+              <a:t>¿</a:t>
+            </a:r>
+            <a:r>
+              <a:rPr lang="es-ES" sz="3600" dirty="0"/>
+              <a:t>Alguna pregunta</a:t>
+            </a:r>
+            <a:r>
+              <a:rPr lang="en" sz="3600" dirty="0"/>
+              <a:t>?</a:t>
+            </a:r>
+            <a:endParaRPr dirty="0"/>
+          </a:p>
+        </p:txBody>
+      </p:sp>
+    </p:spTree>
+  </p:cSld>
+  <p:clrMapOvr>
+    <a:masterClrMapping/>
+  </p:clrMapOvr>
+</p:sld>
+</file>
+
+<file path=ppt/slides/slide21.xml><?xml version="1.0" encoding="utf-8"?>
+<p:sld xmlns:a="http://schemas.openxmlformats.org/drawingml/2006/main" xmlns:r="http://schemas.openxmlformats.org/officeDocument/2006/relationships" xmlns:p="http://schemas.openxmlformats.org/presentationml/2006/main">
+  <p:cSld>
+    <p:spTree>
+      <p:nvGrpSpPr>
+        <p:cNvPr id="1" name=""/>
+        <p:cNvGrpSpPr/>
+        <p:nvPr/>
+      </p:nvGrpSpPr>
+      <p:grpSpPr>
+        <a:xfrm>
+          <a:off x="0" y="0"/>
+          <a:ext cx="0" cy="0"/>
+          <a:chOff x="0" y="0"/>
+          <a:chExt cx="0" cy="0"/>
+        </a:xfrm>
+      </p:grpSpPr>
+      <p:sp>
+        <p:nvSpPr>
+          <p:cNvPr id="2" name="Título 1">
+            <a:extLst>
+              <a:ext uri="{FF2B5EF4-FFF2-40B4-BE49-F238E27FC236}">
+                <a16:creationId xmlns:a16="http://schemas.microsoft.com/office/drawing/2014/main" id="{E80B2E5A-2B40-48BB-9399-2BD0775DFD65}"/>
+              </a:ext>
+            </a:extLst>
+          </p:cNvPr>
+          <p:cNvSpPr>
+            <a:spLocks noGrp="1"/>
+          </p:cNvSpPr>
+          <p:nvPr>
+            <p:ph type="title"/>
+          </p:nvPr>
+        </p:nvSpPr>
+        <p:spPr/>
+        <p:txBody>
+          <a:bodyPr/>
+          <a:lstStyle/>
+          <a:p>
+            <a:r>
+              <a:rPr lang="es-ES" sz="4000" dirty="0"/>
+              <a:t>REFERENCIAS</a:t>
+            </a:r>
+          </a:p>
+        </p:txBody>
+      </p:sp>
+      <p:sp>
+        <p:nvSpPr>
+          <p:cNvPr id="3" name="Marcador de texto 2">
+            <a:extLst>
+              <a:ext uri="{FF2B5EF4-FFF2-40B4-BE49-F238E27FC236}">
+                <a16:creationId xmlns:a16="http://schemas.microsoft.com/office/drawing/2014/main" id="{49EE84A2-1B34-48AD-8D86-6BCC08F3DFA3}"/>
+              </a:ext>
+            </a:extLst>
+          </p:cNvPr>
+          <p:cNvSpPr>
+            <a:spLocks noGrp="1"/>
+          </p:cNvSpPr>
+          <p:nvPr>
+            <p:ph type="body" idx="1"/>
+          </p:nvPr>
+        </p:nvSpPr>
+        <p:spPr>
+          <a:xfrm>
+            <a:off x="866374" y="1331673"/>
+            <a:ext cx="7567799" cy="3152700"/>
+          </a:xfrm>
+        </p:spPr>
+        <p:txBody>
+          <a:bodyPr/>
+          <a:lstStyle/>
+          <a:p>
+            <a:pPr marL="127000" indent="0">
+              <a:buNone/>
+            </a:pPr>
+            <a:r>
+              <a:rPr lang="en-US" sz="2000" dirty="0"/>
+              <a:t>•https://developer.mozilla.org/</a:t>
+            </a:r>
+            <a:r>
+              <a:rPr lang="en-US" sz="2000" dirty="0" err="1"/>
+              <a:t>es</a:t>
+            </a:r>
+            <a:r>
+              <a:rPr lang="en-US" sz="2000" dirty="0"/>
+              <a:t>/docs/Web/JavaScript/</a:t>
+            </a:r>
+            <a:r>
+              <a:rPr lang="en-US" sz="2000" dirty="0" err="1"/>
+              <a:t>Referencia</a:t>
+            </a:r>
+            <a:r>
+              <a:rPr lang="en-US" sz="2000" dirty="0"/>
+              <a:t>/</a:t>
+            </a:r>
+            <a:r>
+              <a:rPr lang="en-US" sz="2000" dirty="0" err="1"/>
+              <a:t>Objetos_globales</a:t>
+            </a:r>
+            <a:r>
+              <a:rPr lang="en-US" sz="2000" dirty="0"/>
+              <a:t>/Symbol</a:t>
+            </a:r>
+            <a:endParaRPr lang="en-US" sz="2000" b="1" dirty="0"/>
+          </a:p>
+          <a:p>
+            <a:pPr marL="127000" indent="0">
+              <a:buNone/>
+            </a:pPr>
+            <a:endParaRPr lang="en-US" sz="2000" b="1" dirty="0"/>
+          </a:p>
+          <a:p>
+            <a:pPr marL="127000" indent="0">
+              <a:buNone/>
+            </a:pPr>
+            <a:r>
+              <a:rPr lang="en-US" sz="2000" dirty="0"/>
+              <a:t>•</a:t>
+            </a:r>
+            <a:r>
+              <a:rPr lang="es-ES" sz="2000" dirty="0"/>
+              <a:t>https://www.keithcirkel.co.uk/metaprogramming-in-es6-symbols/</a:t>
+            </a:r>
+          </a:p>
+          <a:p>
+            <a:pPr marL="127000" indent="0">
+              <a:buNone/>
+            </a:pPr>
+            <a:endParaRPr lang="en-US" sz="2000" b="1" dirty="0"/>
+          </a:p>
+        </p:txBody>
+      </p:sp>
+      <p:sp>
+        <p:nvSpPr>
+          <p:cNvPr id="6" name="Marcador de número de diapositiva 5">
+            <a:extLst>
+              <a:ext uri="{FF2B5EF4-FFF2-40B4-BE49-F238E27FC236}">
+                <a16:creationId xmlns:a16="http://schemas.microsoft.com/office/drawing/2014/main" id="{D6F608B4-93C7-47ED-B1E6-5F8B270831B4}"/>
+              </a:ext>
+            </a:extLst>
+          </p:cNvPr>
+          <p:cNvSpPr>
+            <a:spLocks noGrp="1"/>
+          </p:cNvSpPr>
+          <p:nvPr>
+            <p:ph type="sldNum" idx="12"/>
+          </p:nvPr>
+        </p:nvSpPr>
+        <p:spPr/>
+        <p:txBody>
+          <a:bodyPr/>
+          <a:lstStyle/>
+          <a:p>
+            <a:pPr marL="0" lvl="0" indent="0" algn="ctr" rtl="0">
+              <a:spcBef>
+                <a:spcPts val="0"/>
+              </a:spcBef>
+              <a:spcAft>
+                <a:spcPts val="0"/>
+              </a:spcAft>
+              <a:buNone/>
+            </a:pPr>
+            <a:fld id="{00000000-1234-1234-1234-123412341234}" type="slidenum">
+              <a:rPr lang="es-ES" smtClean="0"/>
+              <a:t>21</a:t>
+            </a:fld>
+            <a:endParaRPr lang="es-ES"/>
+          </a:p>
+        </p:txBody>
+      </p:sp>
+    </p:spTree>
+    <p:extLst>
+      <p:ext uri="{BB962C8B-B14F-4D97-AF65-F5344CB8AC3E}">
+        <p14:creationId xmlns:p14="http://schemas.microsoft.com/office/powerpoint/2010/main" val="61450229"/>
+      </p:ext>
+    </p:extLst>
+  </p:cSld>
+  <p:clrMapOvr>
+    <a:masterClrMapping/>
+  </p:clrMapOvr>
+</p:sld>
+</file>
+
+<file path=ppt/slides/slide22.xml><?xml version="1.0" encoding="utf-8"?>
 <p:sld xmlns:a="http://schemas.openxmlformats.org/drawingml/2006/main" xmlns:r="http://schemas.openxmlformats.org/officeDocument/2006/relationships" xmlns:p="http://schemas.openxmlformats.org/presentationml/2006/main">
   <p:cSld>
     <p:spTree>
